--- a/S3_Session3.pptx
+++ b/S3_Session3.pptx
@@ -5,7 +5,7 @@
     <p:sldMasterId id="2147483648" r:id="rId1"/>
   </p:sldMasterIdLst>
   <p:notesMasterIdLst>
-    <p:notesMasterId r:id="rId9"/>
+    <p:notesMasterId r:id="rId12"/>
   </p:notesMasterIdLst>
   <p:sldIdLst>
     <p:sldId id="266" r:id="rId2"/>
@@ -15,6 +15,9 @@
     <p:sldId id="270" r:id="rId6"/>
     <p:sldId id="271" r:id="rId7"/>
     <p:sldId id="272" r:id="rId8"/>
+    <p:sldId id="273" r:id="rId9"/>
+    <p:sldId id="274" r:id="rId10"/>
+    <p:sldId id="275" r:id="rId11"/>
   </p:sldIdLst>
   <p:sldSz cx="12192000" cy="6858000"/>
   <p:notesSz cx="6858000" cy="9144000"/>
@@ -203,7 +206,7 @@
           <a:p>
             <a:fld id="{1B71BF1F-0C4B-4593-A437-C3C7C8CBA846}" type="datetimeFigureOut">
               <a:rPr lang="LID4096" smtClean="0"/>
-              <a:t>09/11/2024</a:t>
+              <a:t>09/12/2024</a:t>
             </a:fld>
             <a:endParaRPr lang="LID4096"/>
           </a:p>
@@ -620,7 +623,7 @@
           <a:p>
             <a:fld id="{6CAD0839-69FC-4763-B8AC-78CF5951DDEE}" type="datetimeFigureOut">
               <a:rPr lang="LID4096" smtClean="0"/>
-              <a:t>09/11/2024</a:t>
+              <a:t>09/12/2024</a:t>
             </a:fld>
             <a:endParaRPr lang="LID4096"/>
           </a:p>
@@ -820,7 +823,7 @@
           <a:p>
             <a:fld id="{6CAD0839-69FC-4763-B8AC-78CF5951DDEE}" type="datetimeFigureOut">
               <a:rPr lang="LID4096" smtClean="0"/>
-              <a:t>09/11/2024</a:t>
+              <a:t>09/12/2024</a:t>
             </a:fld>
             <a:endParaRPr lang="LID4096"/>
           </a:p>
@@ -1030,7 +1033,7 @@
           <a:p>
             <a:fld id="{6CAD0839-69FC-4763-B8AC-78CF5951DDEE}" type="datetimeFigureOut">
               <a:rPr lang="LID4096" smtClean="0"/>
-              <a:t>09/11/2024</a:t>
+              <a:t>09/12/2024</a:t>
             </a:fld>
             <a:endParaRPr lang="LID4096"/>
           </a:p>
@@ -1230,7 +1233,7 @@
           <a:p>
             <a:fld id="{6CAD0839-69FC-4763-B8AC-78CF5951DDEE}" type="datetimeFigureOut">
               <a:rPr lang="LID4096" smtClean="0"/>
-              <a:t>09/11/2024</a:t>
+              <a:t>09/12/2024</a:t>
             </a:fld>
             <a:endParaRPr lang="LID4096"/>
           </a:p>
@@ -1506,7 +1509,7 @@
           <a:p>
             <a:fld id="{6CAD0839-69FC-4763-B8AC-78CF5951DDEE}" type="datetimeFigureOut">
               <a:rPr lang="LID4096" smtClean="0"/>
-              <a:t>09/11/2024</a:t>
+              <a:t>09/12/2024</a:t>
             </a:fld>
             <a:endParaRPr lang="LID4096"/>
           </a:p>
@@ -1774,7 +1777,7 @@
           <a:p>
             <a:fld id="{6CAD0839-69FC-4763-B8AC-78CF5951DDEE}" type="datetimeFigureOut">
               <a:rPr lang="LID4096" smtClean="0"/>
-              <a:t>09/11/2024</a:t>
+              <a:t>09/12/2024</a:t>
             </a:fld>
             <a:endParaRPr lang="LID4096"/>
           </a:p>
@@ -2189,7 +2192,7 @@
           <a:p>
             <a:fld id="{6CAD0839-69FC-4763-B8AC-78CF5951DDEE}" type="datetimeFigureOut">
               <a:rPr lang="LID4096" smtClean="0"/>
-              <a:t>09/11/2024</a:t>
+              <a:t>09/12/2024</a:t>
             </a:fld>
             <a:endParaRPr lang="LID4096"/>
           </a:p>
@@ -2331,7 +2334,7 @@
           <a:p>
             <a:fld id="{6CAD0839-69FC-4763-B8AC-78CF5951DDEE}" type="datetimeFigureOut">
               <a:rPr lang="LID4096" smtClean="0"/>
-              <a:t>09/11/2024</a:t>
+              <a:t>09/12/2024</a:t>
             </a:fld>
             <a:endParaRPr lang="LID4096"/>
           </a:p>
@@ -2444,7 +2447,7 @@
           <a:p>
             <a:fld id="{6CAD0839-69FC-4763-B8AC-78CF5951DDEE}" type="datetimeFigureOut">
               <a:rPr lang="LID4096" smtClean="0"/>
-              <a:t>09/11/2024</a:t>
+              <a:t>09/12/2024</a:t>
             </a:fld>
             <a:endParaRPr lang="LID4096"/>
           </a:p>
@@ -2757,7 +2760,7 @@
           <a:p>
             <a:fld id="{6CAD0839-69FC-4763-B8AC-78CF5951DDEE}" type="datetimeFigureOut">
               <a:rPr lang="LID4096" smtClean="0"/>
-              <a:t>09/11/2024</a:t>
+              <a:t>09/12/2024</a:t>
             </a:fld>
             <a:endParaRPr lang="LID4096"/>
           </a:p>
@@ -3046,7 +3049,7 @@
           <a:p>
             <a:fld id="{6CAD0839-69FC-4763-B8AC-78CF5951DDEE}" type="datetimeFigureOut">
               <a:rPr lang="LID4096" smtClean="0"/>
-              <a:t>09/11/2024</a:t>
+              <a:t>09/12/2024</a:t>
             </a:fld>
             <a:endParaRPr lang="LID4096"/>
           </a:p>
@@ -3289,7 +3292,7 @@
           <a:p>
             <a:fld id="{6CAD0839-69FC-4763-B8AC-78CF5951DDEE}" type="datetimeFigureOut">
               <a:rPr lang="LID4096" smtClean="0"/>
-              <a:t>09/11/2024</a:t>
+              <a:t>09/12/2024</a:t>
             </a:fld>
             <a:endParaRPr lang="LID4096"/>
           </a:p>
@@ -3791,6 +3794,516 @@
   <p:clrMapOvr>
     <a:masterClrMapping/>
   </p:clrMapOvr>
+</p:sld>
+</file>
+
+<file path=ppt/slides/slide10.xml><?xml version="1.0" encoding="utf-8"?>
+<p:sld xmlns:a="http://schemas.openxmlformats.org/drawingml/2006/main" xmlns:r="http://schemas.openxmlformats.org/officeDocument/2006/relationships" xmlns:p="http://schemas.openxmlformats.org/presentationml/2006/main">
+  <p:cSld>
+    <p:spTree>
+      <p:nvGrpSpPr>
+        <p:cNvPr id="1" name=""/>
+        <p:cNvGrpSpPr/>
+        <p:nvPr/>
+      </p:nvGrpSpPr>
+      <p:grpSpPr>
+        <a:xfrm>
+          <a:off x="0" y="0"/>
+          <a:ext cx="0" cy="0"/>
+          <a:chOff x="0" y="0"/>
+          <a:chExt cx="0" cy="0"/>
+        </a:xfrm>
+      </p:grpSpPr>
+      <p:sp>
+        <p:nvSpPr>
+          <p:cNvPr id="2" name="TextBox 1">
+            <a:extLst>
+              <a:ext uri="{FF2B5EF4-FFF2-40B4-BE49-F238E27FC236}">
+                <a16:creationId xmlns:a16="http://schemas.microsoft.com/office/drawing/2014/main" id="{3ADB30E5-CF31-4B3A-AB5E-0ADF76B12CE5}"/>
+              </a:ext>
+            </a:extLst>
+          </p:cNvPr>
+          <p:cNvSpPr txBox="1"/>
+          <p:nvPr/>
+        </p:nvSpPr>
+        <p:spPr>
+          <a:xfrm>
+            <a:off x="725864" y="527901"/>
+            <a:ext cx="9294829" cy="369332"/>
+          </a:xfrm>
+          <a:prstGeom prst="rect">
+            <a:avLst/>
+          </a:prstGeom>
+          <a:noFill/>
+        </p:spPr>
+        <p:txBody>
+          <a:bodyPr wrap="square" rtlCol="0">
+            <a:spAutoFit/>
+          </a:bodyPr>
+          <a:lstStyle/>
+          <a:p>
+            <a:r>
+              <a:rPr lang="en-US" dirty="0"/>
+              <a:t>Let’s train our model:</a:t>
+            </a:r>
+            <a:endParaRPr lang="LID4096" dirty="0"/>
+          </a:p>
+        </p:txBody>
+      </p:sp>
+      <p:sp>
+        <p:nvSpPr>
+          <p:cNvPr id="4" name="TextBox 3">
+            <a:extLst>
+              <a:ext uri="{FF2B5EF4-FFF2-40B4-BE49-F238E27FC236}">
+                <a16:creationId xmlns:a16="http://schemas.microsoft.com/office/drawing/2014/main" id="{78F5ECF3-9E76-41F4-BC94-7BEAFEE947B9}"/>
+              </a:ext>
+            </a:extLst>
+          </p:cNvPr>
+          <p:cNvSpPr txBox="1"/>
+          <p:nvPr/>
+        </p:nvSpPr>
+        <p:spPr>
+          <a:xfrm>
+            <a:off x="725864" y="897233"/>
+            <a:ext cx="8795208" cy="738664"/>
+          </a:xfrm>
+          <a:prstGeom prst="rect">
+            <a:avLst/>
+          </a:prstGeom>
+          <a:noFill/>
+        </p:spPr>
+        <p:txBody>
+          <a:bodyPr wrap="square">
+            <a:spAutoFit/>
+          </a:bodyPr>
+          <a:lstStyle/>
+          <a:p>
+            <a:r>
+              <a:rPr lang="LID4096" sz="1400" dirty="0">
+                <a:latin typeface="Arial" panose="020B0604020202020204" pitchFamily="34" charset="0"/>
+                <a:cs typeface="Arial" panose="020B0604020202020204" pitchFamily="34" charset="0"/>
+              </a:rPr>
+              <a:t>history=nn_model.fit(</a:t>
+            </a:r>
+          </a:p>
+          <a:p>
+            <a:r>
+              <a:rPr lang="LID4096" sz="1400" dirty="0">
+                <a:latin typeface="Arial" panose="020B0604020202020204" pitchFamily="34" charset="0"/>
+                <a:cs typeface="Arial" panose="020B0604020202020204" pitchFamily="34" charset="0"/>
+              </a:rPr>
+              <a:t>        Xtrain, Ytrain, epochs=</a:t>
+            </a:r>
+            <a:r>
+              <a:rPr lang="en-US" sz="1400" dirty="0">
+                <a:latin typeface="Arial" panose="020B0604020202020204" pitchFamily="34" charset="0"/>
+                <a:cs typeface="Arial" panose="020B0604020202020204" pitchFamily="34" charset="0"/>
+              </a:rPr>
+              <a:t>100</a:t>
+            </a:r>
+            <a:r>
+              <a:rPr lang="LID4096" sz="1400" dirty="0">
+                <a:latin typeface="Arial" panose="020B0604020202020204" pitchFamily="34" charset="0"/>
+                <a:cs typeface="Arial" panose="020B0604020202020204" pitchFamily="34" charset="0"/>
+              </a:rPr>
+              <a:t>, batch_size=</a:t>
+            </a:r>
+            <a:r>
+              <a:rPr lang="en-US" sz="1400" dirty="0">
+                <a:latin typeface="Arial" panose="020B0604020202020204" pitchFamily="34" charset="0"/>
+                <a:cs typeface="Arial" panose="020B0604020202020204" pitchFamily="34" charset="0"/>
+              </a:rPr>
+              <a:t>32</a:t>
+            </a:r>
+            <a:r>
+              <a:rPr lang="LID4096" sz="1400" dirty="0">
+                <a:latin typeface="Arial" panose="020B0604020202020204" pitchFamily="34" charset="0"/>
+                <a:cs typeface="Arial" panose="020B0604020202020204" pitchFamily="34" charset="0"/>
+              </a:rPr>
+              <a:t>, validation_split=0.2, verbose=0</a:t>
+            </a:r>
+          </a:p>
+          <a:p>
+            <a:r>
+              <a:rPr lang="LID4096" sz="1400" dirty="0">
+                <a:latin typeface="Arial" panose="020B0604020202020204" pitchFamily="34" charset="0"/>
+                <a:cs typeface="Arial" panose="020B0604020202020204" pitchFamily="34" charset="0"/>
+              </a:rPr>
+              <a:t>    ) </a:t>
+            </a:r>
+          </a:p>
+        </p:txBody>
+      </p:sp>
+      <p:sp>
+        <p:nvSpPr>
+          <p:cNvPr id="5" name="TextBox 4">
+            <a:extLst>
+              <a:ext uri="{FF2B5EF4-FFF2-40B4-BE49-F238E27FC236}">
+                <a16:creationId xmlns:a16="http://schemas.microsoft.com/office/drawing/2014/main" id="{022D5C25-481F-44EA-98D5-19C3919FD3B3}"/>
+              </a:ext>
+            </a:extLst>
+          </p:cNvPr>
+          <p:cNvSpPr txBox="1"/>
+          <p:nvPr/>
+        </p:nvSpPr>
+        <p:spPr>
+          <a:xfrm>
+            <a:off x="725864" y="1820563"/>
+            <a:ext cx="9294829" cy="1200329"/>
+          </a:xfrm>
+          <a:prstGeom prst="rect">
+            <a:avLst/>
+          </a:prstGeom>
+          <a:noFill/>
+        </p:spPr>
+        <p:txBody>
+          <a:bodyPr wrap="square" rtlCol="0">
+            <a:spAutoFit/>
+          </a:bodyPr>
+          <a:lstStyle/>
+          <a:p>
+            <a:r>
+              <a:rPr lang="en-US" dirty="0"/>
+              <a:t>You remember that we had a training set, a validation set, and a test set. In NN, we just mix the training set with the validation set and let the model split it by itself. In other words, we just have a training set and a test set. But, with “</a:t>
+            </a:r>
+            <a:r>
+              <a:rPr lang="en-US" dirty="0" err="1"/>
+              <a:t>validation_split</a:t>
+            </a:r>
+            <a:r>
+              <a:rPr lang="en-US" dirty="0"/>
+              <a:t>” we tell our model to use a part of training set for validation. Here “0.2” means that 20 percent of the training set is used for validation.</a:t>
+            </a:r>
+            <a:endParaRPr lang="LID4096" dirty="0"/>
+          </a:p>
+        </p:txBody>
+      </p:sp>
+      <p:pic>
+        <p:nvPicPr>
+          <p:cNvPr id="1026" name="Picture 2" descr="Cartoon Household Appliance Juice Machine, Cartoon, Household, Electrical  Appliance PNG Transparent Image and Clipart for Free Download">
+            <a:extLst>
+              <a:ext uri="{FF2B5EF4-FFF2-40B4-BE49-F238E27FC236}">
+                <a16:creationId xmlns:a16="http://schemas.microsoft.com/office/drawing/2014/main" id="{463D0CE5-A7A0-4251-8496-4EE21D12AD34}"/>
+              </a:ext>
+            </a:extLst>
+          </p:cNvPr>
+          <p:cNvPicPr>
+            <a:picLocks noChangeAspect="1" noChangeArrowheads="1"/>
+          </p:cNvPicPr>
+          <p:nvPr/>
+        </p:nvPicPr>
+        <p:blipFill>
+          <a:blip r:embed="rId2">
+            <a:extLst>
+              <a:ext uri="{28A0092B-C50C-407E-A947-70E740481C1C}">
+                <a14:useLocalDpi xmlns:a14="http://schemas.microsoft.com/office/drawing/2010/main" val="0"/>
+              </a:ext>
+            </a:extLst>
+          </a:blip>
+          <a:srcRect/>
+          <a:stretch>
+            <a:fillRect/>
+          </a:stretch>
+        </p:blipFill>
+        <p:spPr bwMode="auto">
+          <a:xfrm flipH="1">
+            <a:off x="7893227" y="3020892"/>
+            <a:ext cx="4298773" cy="4298773"/>
+          </a:xfrm>
+          <a:prstGeom prst="rect">
+            <a:avLst/>
+          </a:prstGeom>
+          <a:noFill/>
+          <a:extLst>
+            <a:ext uri="{909E8E84-426E-40DD-AFC4-6F175D3DCCD1}">
+              <a14:hiddenFill xmlns:a14="http://schemas.microsoft.com/office/drawing/2010/main">
+                <a:solidFill>
+                  <a:srgbClr val="FFFFFF"/>
+                </a:solidFill>
+              </a14:hiddenFill>
+            </a:ext>
+          </a:extLst>
+        </p:spPr>
+      </p:pic>
+      <p:sp>
+        <p:nvSpPr>
+          <p:cNvPr id="7" name="TextBox 6">
+            <a:extLst>
+              <a:ext uri="{FF2B5EF4-FFF2-40B4-BE49-F238E27FC236}">
+                <a16:creationId xmlns:a16="http://schemas.microsoft.com/office/drawing/2014/main" id="{B2B18125-6B98-41EA-9461-91F2EBBFA1E1}"/>
+              </a:ext>
+            </a:extLst>
+          </p:cNvPr>
+          <p:cNvSpPr txBox="1"/>
+          <p:nvPr/>
+        </p:nvSpPr>
+        <p:spPr>
+          <a:xfrm>
+            <a:off x="747784" y="3159391"/>
+            <a:ext cx="9294829" cy="369332"/>
+          </a:xfrm>
+          <a:prstGeom prst="rect">
+            <a:avLst/>
+          </a:prstGeom>
+          <a:noFill/>
+        </p:spPr>
+        <p:txBody>
+          <a:bodyPr wrap="square" rtlCol="0">
+            <a:spAutoFit/>
+          </a:bodyPr>
+          <a:lstStyle/>
+          <a:p>
+            <a:r>
+              <a:rPr lang="en-US" dirty="0"/>
+              <a:t>We don’t feed the whole dataset to our model at once, but rather we feed it in batches!</a:t>
+            </a:r>
+            <a:endParaRPr lang="LID4096" dirty="0"/>
+          </a:p>
+        </p:txBody>
+      </p:sp>
+      <p:sp>
+        <p:nvSpPr>
+          <p:cNvPr id="8" name="TextBox 7">
+            <a:extLst>
+              <a:ext uri="{FF2B5EF4-FFF2-40B4-BE49-F238E27FC236}">
+                <a16:creationId xmlns:a16="http://schemas.microsoft.com/office/drawing/2014/main" id="{5858D701-04D7-4705-8A90-D3910A20F373}"/>
+              </a:ext>
+            </a:extLst>
+          </p:cNvPr>
+          <p:cNvSpPr txBox="1"/>
+          <p:nvPr/>
+        </p:nvSpPr>
+        <p:spPr>
+          <a:xfrm>
+            <a:off x="747785" y="3851889"/>
+            <a:ext cx="8301948" cy="646331"/>
+          </a:xfrm>
+          <a:prstGeom prst="rect">
+            <a:avLst/>
+          </a:prstGeom>
+          <a:noFill/>
+        </p:spPr>
+        <p:txBody>
+          <a:bodyPr wrap="square" rtlCol="0">
+            <a:spAutoFit/>
+          </a:bodyPr>
+          <a:lstStyle/>
+          <a:p>
+            <a:r>
+              <a:rPr lang="en-US" dirty="0"/>
+              <a:t>Epochs are number of repetitions, and verbose=0 means that we don’t want to see the whole process, but rather just the final output!</a:t>
+            </a:r>
+            <a:endParaRPr lang="LID4096" dirty="0"/>
+          </a:p>
+        </p:txBody>
+      </p:sp>
+    </p:spTree>
+    <p:extLst>
+      <p:ext uri="{BB962C8B-B14F-4D97-AF65-F5344CB8AC3E}">
+        <p14:creationId xmlns:p14="http://schemas.microsoft.com/office/powerpoint/2010/main" val="3028664098"/>
+      </p:ext>
+    </p:extLst>
+  </p:cSld>
+  <p:clrMapOvr>
+    <a:masterClrMapping/>
+  </p:clrMapOvr>
+  <p:timing>
+    <p:tnLst>
+      <p:par>
+        <p:cTn id="1" dur="indefinite" restart="never" nodeType="tmRoot">
+          <p:childTnLst>
+            <p:seq concurrent="1" nextAc="seek">
+              <p:cTn id="2" dur="indefinite" nodeType="mainSeq">
+                <p:childTnLst>
+                  <p:par>
+                    <p:cTn id="3" fill="hold">
+                      <p:stCondLst>
+                        <p:cond delay="indefinite"/>
+                      </p:stCondLst>
+                      <p:childTnLst>
+                        <p:par>
+                          <p:cTn id="4" fill="hold">
+                            <p:stCondLst>
+                              <p:cond delay="0"/>
+                            </p:stCondLst>
+                            <p:childTnLst>
+                              <p:par>
+                                <p:cTn id="5" presetID="1" presetClass="entr" presetSubtype="0" fill="hold" grpId="0" nodeType="clickEffect">
+                                  <p:stCondLst>
+                                    <p:cond delay="0"/>
+                                  </p:stCondLst>
+                                  <p:childTnLst>
+                                    <p:set>
+                                      <p:cBhvr>
+                                        <p:cTn id="6" dur="1" fill="hold">
+                                          <p:stCondLst>
+                                            <p:cond delay="0"/>
+                                          </p:stCondLst>
+                                        </p:cTn>
+                                        <p:tgtEl>
+                                          <p:spTgt spid="5"/>
+                                        </p:tgtEl>
+                                        <p:attrNameLst>
+                                          <p:attrName>style.visibility</p:attrName>
+                                        </p:attrNameLst>
+                                      </p:cBhvr>
+                                      <p:to>
+                                        <p:strVal val="visible"/>
+                                      </p:to>
+                                    </p:set>
+                                  </p:childTnLst>
+                                </p:cTn>
+                              </p:par>
+                            </p:childTnLst>
+                          </p:cTn>
+                        </p:par>
+                      </p:childTnLst>
+                    </p:cTn>
+                  </p:par>
+                  <p:par>
+                    <p:cTn id="7" fill="hold">
+                      <p:stCondLst>
+                        <p:cond delay="indefinite"/>
+                      </p:stCondLst>
+                      <p:childTnLst>
+                        <p:par>
+                          <p:cTn id="8" fill="hold">
+                            <p:stCondLst>
+                              <p:cond delay="0"/>
+                            </p:stCondLst>
+                            <p:childTnLst>
+                              <p:par>
+                                <p:cTn id="9" presetID="1" presetClass="entr" presetSubtype="0" fill="hold" grpId="0" nodeType="clickEffect">
+                                  <p:stCondLst>
+                                    <p:cond delay="0"/>
+                                  </p:stCondLst>
+                                  <p:childTnLst>
+                                    <p:set>
+                                      <p:cBhvr>
+                                        <p:cTn id="10" dur="1" fill="hold">
+                                          <p:stCondLst>
+                                            <p:cond delay="0"/>
+                                          </p:stCondLst>
+                                        </p:cTn>
+                                        <p:tgtEl>
+                                          <p:spTgt spid="7"/>
+                                        </p:tgtEl>
+                                        <p:attrNameLst>
+                                          <p:attrName>style.visibility</p:attrName>
+                                        </p:attrNameLst>
+                                      </p:cBhvr>
+                                      <p:to>
+                                        <p:strVal val="visible"/>
+                                      </p:to>
+                                    </p:set>
+                                  </p:childTnLst>
+                                </p:cTn>
+                              </p:par>
+                              <p:par>
+                                <p:cTn id="11" presetID="1" presetClass="entr" presetSubtype="0" fill="hold" nodeType="withEffect">
+                                  <p:stCondLst>
+                                    <p:cond delay="0"/>
+                                  </p:stCondLst>
+                                  <p:childTnLst>
+                                    <p:set>
+                                      <p:cBhvr>
+                                        <p:cTn id="12" dur="1" fill="hold">
+                                          <p:stCondLst>
+                                            <p:cond delay="0"/>
+                                          </p:stCondLst>
+                                        </p:cTn>
+                                        <p:tgtEl>
+                                          <p:spTgt spid="1026"/>
+                                        </p:tgtEl>
+                                        <p:attrNameLst>
+                                          <p:attrName>style.visibility</p:attrName>
+                                        </p:attrNameLst>
+                                      </p:cBhvr>
+                                      <p:to>
+                                        <p:strVal val="visible"/>
+                                      </p:to>
+                                    </p:set>
+                                  </p:childTnLst>
+                                </p:cTn>
+                              </p:par>
+                            </p:childTnLst>
+                          </p:cTn>
+                        </p:par>
+                      </p:childTnLst>
+                    </p:cTn>
+                  </p:par>
+                  <p:par>
+                    <p:cTn id="13" fill="hold">
+                      <p:stCondLst>
+                        <p:cond delay="indefinite"/>
+                      </p:stCondLst>
+                      <p:childTnLst>
+                        <p:par>
+                          <p:cTn id="14" fill="hold">
+                            <p:stCondLst>
+                              <p:cond delay="0"/>
+                            </p:stCondLst>
+                            <p:childTnLst>
+                              <p:par>
+                                <p:cTn id="15" presetID="1" presetClass="entr" presetSubtype="0" fill="hold" grpId="0" nodeType="clickEffect">
+                                  <p:stCondLst>
+                                    <p:cond delay="0"/>
+                                  </p:stCondLst>
+                                  <p:childTnLst>
+                                    <p:set>
+                                      <p:cBhvr>
+                                        <p:cTn id="16" dur="1" fill="hold">
+                                          <p:stCondLst>
+                                            <p:cond delay="0"/>
+                                          </p:stCondLst>
+                                        </p:cTn>
+                                        <p:tgtEl>
+                                          <p:spTgt spid="8"/>
+                                        </p:tgtEl>
+                                        <p:attrNameLst>
+                                          <p:attrName>style.visibility</p:attrName>
+                                        </p:attrNameLst>
+                                      </p:cBhvr>
+                                      <p:to>
+                                        <p:strVal val="visible"/>
+                                      </p:to>
+                                    </p:set>
+                                  </p:childTnLst>
+                                </p:cTn>
+                              </p:par>
+                            </p:childTnLst>
+                          </p:cTn>
+                        </p:par>
+                      </p:childTnLst>
+                    </p:cTn>
+                  </p:par>
+                </p:childTnLst>
+              </p:cTn>
+              <p:prevCondLst>
+                <p:cond evt="onPrev" delay="0">
+                  <p:tgtEl>
+                    <p:sldTgt/>
+                  </p:tgtEl>
+                </p:cond>
+              </p:prevCondLst>
+              <p:nextCondLst>
+                <p:cond evt="onNext" delay="0">
+                  <p:tgtEl>
+                    <p:sldTgt/>
+                  </p:tgtEl>
+                </p:cond>
+              </p:nextCondLst>
+            </p:seq>
+          </p:childTnLst>
+        </p:cTn>
+      </p:par>
+    </p:tnLst>
+    <p:bldLst>
+      <p:bldP spid="5" grpId="0"/>
+      <p:bldP spid="7" grpId="0"/>
+      <p:bldP spid="8" grpId="0"/>
+    </p:bldLst>
+  </p:timing>
 </p:sld>
 </file>
 
@@ -11050,13 +11563,7 @@
                             <a:rPr lang="en-US" b="0" i="1" smtClean="0">
                               <a:latin typeface="Cambria Math" panose="02040503050406030204" pitchFamily="18" charset="0"/>
                             </a:rPr>
-                            <m:t>0</m:t>
-                          </m:r>
-                          <m:r>
-                            <a:rPr lang="en-US" b="0" i="1" smtClean="0">
-                              <a:latin typeface="Cambria Math" panose="02040503050406030204" pitchFamily="18" charset="0"/>
-                            </a:rPr>
-                            <m:t>,</m:t>
+                            <m:t>0,</m:t>
                           </m:r>
                           <m:r>
                             <a:rPr lang="en-US" b="0" i="1" smtClean="0">
@@ -11093,13 +11600,7 @@
                             <a:rPr lang="en-US" b="0" i="1" smtClean="0">
                               <a:latin typeface="Cambria Math" panose="02040503050406030204" pitchFamily="18" charset="0"/>
                             </a:rPr>
-                            <m:t>0</m:t>
-                          </m:r>
-                          <m:r>
-                            <a:rPr lang="en-US" b="0" i="1" smtClean="0">
-                              <a:latin typeface="Cambria Math" panose="02040503050406030204" pitchFamily="18" charset="0"/>
-                            </a:rPr>
-                            <m:t>,</m:t>
+                            <m:t>0,</m:t>
                           </m:r>
                           <m:r>
                             <a:rPr lang="en-US" b="0" i="1" smtClean="0">
@@ -11930,6 +12431,678 @@
           </a:p>
         </p:txBody>
       </p:sp>
+      <p:sp>
+        <p:nvSpPr>
+          <p:cNvPr id="4" name="TextBox 3">
+            <a:extLst>
+              <a:ext uri="{FF2B5EF4-FFF2-40B4-BE49-F238E27FC236}">
+                <a16:creationId xmlns:a16="http://schemas.microsoft.com/office/drawing/2014/main" id="{F8C0493F-85C1-4C09-95C4-5AF66EC0AE54}"/>
+              </a:ext>
+            </a:extLst>
+          </p:cNvPr>
+          <p:cNvSpPr txBox="1"/>
+          <p:nvPr/>
+        </p:nvSpPr>
+        <p:spPr>
+          <a:xfrm>
+            <a:off x="717912" y="3026080"/>
+            <a:ext cx="10547119" cy="954107"/>
+          </a:xfrm>
+          <a:prstGeom prst="rect">
+            <a:avLst/>
+          </a:prstGeom>
+          <a:noFill/>
+        </p:spPr>
+        <p:txBody>
+          <a:bodyPr wrap="square">
+            <a:spAutoFit/>
+          </a:bodyPr>
+          <a:lstStyle/>
+          <a:p>
+            <a:r>
+              <a:rPr lang="en-US" sz="1400" dirty="0" err="1">
+                <a:latin typeface="Arial" panose="020B0604020202020204" pitchFamily="34" charset="0"/>
+                <a:cs typeface="Arial" panose="020B0604020202020204" pitchFamily="34" charset="0"/>
+              </a:rPr>
+              <a:t>nn_model</a:t>
+            </a:r>
+            <a:r>
+              <a:rPr lang="en-US" sz="1400" dirty="0">
+                <a:latin typeface="Arial" panose="020B0604020202020204" pitchFamily="34" charset="0"/>
+                <a:cs typeface="Arial" panose="020B0604020202020204" pitchFamily="34" charset="0"/>
+              </a:rPr>
+              <a:t>=</a:t>
+            </a:r>
+            <a:r>
+              <a:rPr lang="en-US" sz="1400" dirty="0" err="1">
+                <a:latin typeface="Arial" panose="020B0604020202020204" pitchFamily="34" charset="0"/>
+                <a:cs typeface="Arial" panose="020B0604020202020204" pitchFamily="34" charset="0"/>
+              </a:rPr>
+              <a:t>tf.keras.Sequential</a:t>
+            </a:r>
+            <a:r>
+              <a:rPr lang="en-US" sz="1400" dirty="0">
+                <a:latin typeface="Arial" panose="020B0604020202020204" pitchFamily="34" charset="0"/>
+                <a:cs typeface="Arial" panose="020B0604020202020204" pitchFamily="34" charset="0"/>
+              </a:rPr>
+              <a:t>([</a:t>
+            </a:r>
+          </a:p>
+          <a:p>
+            <a:r>
+              <a:rPr lang="en-US" sz="1400" dirty="0">
+                <a:latin typeface="Arial" panose="020B0604020202020204" pitchFamily="34" charset="0"/>
+                <a:cs typeface="Arial" panose="020B0604020202020204" pitchFamily="34" charset="0"/>
+              </a:rPr>
+              <a:t>	</a:t>
+            </a:r>
+            <a:r>
+              <a:rPr lang="en-US" sz="1400" dirty="0" err="1">
+                <a:latin typeface="Arial" panose="020B0604020202020204" pitchFamily="34" charset="0"/>
+                <a:cs typeface="Arial" panose="020B0604020202020204" pitchFamily="34" charset="0"/>
+              </a:rPr>
+              <a:t>tf.keras.layers.Dense</a:t>
+            </a:r>
+            <a:r>
+              <a:rPr lang="en-US" sz="1400" dirty="0">
+                <a:latin typeface="Arial" panose="020B0604020202020204" pitchFamily="34" charset="0"/>
+                <a:cs typeface="Arial" panose="020B0604020202020204" pitchFamily="34" charset="0"/>
+              </a:rPr>
+              <a:t>(</a:t>
+            </a:r>
+            <a:r>
+              <a:rPr lang="en-US" sz="1400" dirty="0" err="1">
+                <a:latin typeface="Arial" panose="020B0604020202020204" pitchFamily="34" charset="0"/>
+                <a:cs typeface="Arial" panose="020B0604020202020204" pitchFamily="34" charset="0"/>
+              </a:rPr>
+              <a:t>num_nodes</a:t>
+            </a:r>
+            <a:r>
+              <a:rPr lang="en-US" sz="1400" dirty="0">
+                <a:latin typeface="Arial" panose="020B0604020202020204" pitchFamily="34" charset="0"/>
+                <a:cs typeface="Arial" panose="020B0604020202020204" pitchFamily="34" charset="0"/>
+              </a:rPr>
+              <a:t>, activation='</a:t>
+            </a:r>
+            <a:r>
+              <a:rPr lang="en-US" sz="1400" dirty="0" err="1">
+                <a:latin typeface="Arial" panose="020B0604020202020204" pitchFamily="34" charset="0"/>
+                <a:cs typeface="Arial" panose="020B0604020202020204" pitchFamily="34" charset="0"/>
+              </a:rPr>
+              <a:t>relu</a:t>
+            </a:r>
+            <a:r>
+              <a:rPr lang="en-US" sz="1400" dirty="0">
+                <a:latin typeface="Arial" panose="020B0604020202020204" pitchFamily="34" charset="0"/>
+                <a:cs typeface="Arial" panose="020B0604020202020204" pitchFamily="34" charset="0"/>
+              </a:rPr>
+              <a:t>',</a:t>
+            </a:r>
+            <a:r>
+              <a:rPr lang="en-US" sz="1400" dirty="0" err="1">
+                <a:latin typeface="Arial" panose="020B0604020202020204" pitchFamily="34" charset="0"/>
+                <a:cs typeface="Arial" panose="020B0604020202020204" pitchFamily="34" charset="0"/>
+              </a:rPr>
+              <a:t>input_shape</a:t>
+            </a:r>
+            <a:r>
+              <a:rPr lang="en-US" sz="1400" dirty="0">
+                <a:latin typeface="Arial" panose="020B0604020202020204" pitchFamily="34" charset="0"/>
+                <a:cs typeface="Arial" panose="020B0604020202020204" pitchFamily="34" charset="0"/>
+              </a:rPr>
+              <a:t>=(10,)), </a:t>
+            </a:r>
+          </a:p>
+          <a:p>
+            <a:r>
+              <a:rPr lang="en-US" sz="1400" dirty="0">
+                <a:latin typeface="Arial" panose="020B0604020202020204" pitchFamily="34" charset="0"/>
+                <a:cs typeface="Arial" panose="020B0604020202020204" pitchFamily="34" charset="0"/>
+              </a:rPr>
+              <a:t>	</a:t>
+            </a:r>
+            <a:r>
+              <a:rPr lang="en-US" sz="1400" dirty="0" err="1">
+                <a:latin typeface="Arial" panose="020B0604020202020204" pitchFamily="34" charset="0"/>
+                <a:cs typeface="Arial" panose="020B0604020202020204" pitchFamily="34" charset="0"/>
+              </a:rPr>
+              <a:t>tf.keras.layers.Dropout</a:t>
+            </a:r>
+            <a:r>
+              <a:rPr lang="en-US" sz="1400" dirty="0">
+                <a:latin typeface="Arial" panose="020B0604020202020204" pitchFamily="34" charset="0"/>
+                <a:cs typeface="Arial" panose="020B0604020202020204" pitchFamily="34" charset="0"/>
+              </a:rPr>
+              <a:t>(</a:t>
+            </a:r>
+            <a:r>
+              <a:rPr lang="en-US" sz="1400" dirty="0" err="1">
+                <a:latin typeface="Arial" panose="020B0604020202020204" pitchFamily="34" charset="0"/>
+                <a:cs typeface="Arial" panose="020B0604020202020204" pitchFamily="34" charset="0"/>
+              </a:rPr>
+              <a:t>dropout_prob</a:t>
+            </a:r>
+            <a:r>
+              <a:rPr lang="en-US" sz="1400" dirty="0">
+                <a:latin typeface="Arial" panose="020B0604020202020204" pitchFamily="34" charset="0"/>
+                <a:cs typeface="Arial" panose="020B0604020202020204" pitchFamily="34" charset="0"/>
+              </a:rPr>
+              <a:t>),</a:t>
+            </a:r>
+          </a:p>
+          <a:p>
+            <a:r>
+              <a:rPr lang="en-US" sz="1400" dirty="0">
+                <a:latin typeface="Arial" panose="020B0604020202020204" pitchFamily="34" charset="0"/>
+                <a:cs typeface="Arial" panose="020B0604020202020204" pitchFamily="34" charset="0"/>
+              </a:rPr>
+              <a:t>])</a:t>
+            </a:r>
+          </a:p>
+        </p:txBody>
+      </p:sp>
+      <p:sp>
+        <p:nvSpPr>
+          <p:cNvPr id="5" name="TextBox 4">
+            <a:extLst>
+              <a:ext uri="{FF2B5EF4-FFF2-40B4-BE49-F238E27FC236}">
+                <a16:creationId xmlns:a16="http://schemas.microsoft.com/office/drawing/2014/main" id="{DA0BED7E-E680-41D2-ACE3-CB52CBC03698}"/>
+              </a:ext>
+            </a:extLst>
+          </p:cNvPr>
+          <p:cNvSpPr txBox="1"/>
+          <p:nvPr/>
+        </p:nvSpPr>
+        <p:spPr>
+          <a:xfrm>
+            <a:off x="717912" y="1490007"/>
+            <a:ext cx="10726227" cy="369332"/>
+          </a:xfrm>
+          <a:prstGeom prst="rect">
+            <a:avLst/>
+          </a:prstGeom>
+          <a:noFill/>
+        </p:spPr>
+        <p:txBody>
+          <a:bodyPr wrap="square" rtlCol="0">
+            <a:spAutoFit/>
+          </a:bodyPr>
+          <a:lstStyle/>
+          <a:p>
+            <a:r>
+              <a:rPr lang="en-US" dirty="0"/>
+              <a:t>First, we build our model, consisting of input layer, hidden layer(s), and output layer!</a:t>
+            </a:r>
+            <a:endParaRPr lang="LID4096" dirty="0"/>
+          </a:p>
+        </p:txBody>
+      </p:sp>
+      <p:sp>
+        <p:nvSpPr>
+          <p:cNvPr id="6" name="Speech Bubble: Rectangle with Corners Rounded 5">
+            <a:extLst>
+              <a:ext uri="{FF2B5EF4-FFF2-40B4-BE49-F238E27FC236}">
+                <a16:creationId xmlns:a16="http://schemas.microsoft.com/office/drawing/2014/main" id="{B62093C4-210E-4B12-85C9-C679D0C7ECD2}"/>
+              </a:ext>
+            </a:extLst>
+          </p:cNvPr>
+          <p:cNvSpPr/>
+          <p:nvPr/>
+        </p:nvSpPr>
+        <p:spPr>
+          <a:xfrm>
+            <a:off x="4242062" y="2592373"/>
+            <a:ext cx="2081848" cy="510484"/>
+          </a:xfrm>
+          <a:prstGeom prst="wedgeRoundRectCallout">
+            <a:avLst>
+              <a:gd name="adj1" fmla="val -57130"/>
+              <a:gd name="adj2" fmla="val 86700"/>
+              <a:gd name="adj3" fmla="val 16667"/>
+            </a:avLst>
+          </a:prstGeom>
+          <a:noFill/>
+          <a:ln w="19050">
+            <a:solidFill>
+              <a:srgbClr val="FF0000"/>
+            </a:solidFill>
+          </a:ln>
+        </p:spPr>
+        <p:style>
+          <a:lnRef idx="2">
+            <a:schemeClr val="accent1">
+              <a:shade val="50000"/>
+            </a:schemeClr>
+          </a:lnRef>
+          <a:fillRef idx="1">
+            <a:schemeClr val="accent1"/>
+          </a:fillRef>
+          <a:effectRef idx="0">
+            <a:schemeClr val="accent1"/>
+          </a:effectRef>
+          <a:fontRef idx="minor">
+            <a:schemeClr val="lt1"/>
+          </a:fontRef>
+        </p:style>
+        <p:txBody>
+          <a:bodyPr rtlCol="0" anchor="ctr"/>
+          <a:lstStyle/>
+          <a:p>
+            <a:pPr algn="ctr"/>
+            <a:endParaRPr lang="LID4096"/>
+          </a:p>
+        </p:txBody>
+      </p:sp>
+      <p:sp>
+        <p:nvSpPr>
+          <p:cNvPr id="7" name="TextBox 6">
+            <a:extLst>
+              <a:ext uri="{FF2B5EF4-FFF2-40B4-BE49-F238E27FC236}">
+                <a16:creationId xmlns:a16="http://schemas.microsoft.com/office/drawing/2014/main" id="{1718935F-985E-43C3-A5B5-460180B49F6C}"/>
+              </a:ext>
+            </a:extLst>
+          </p:cNvPr>
+          <p:cNvSpPr txBox="1"/>
+          <p:nvPr/>
+        </p:nvSpPr>
+        <p:spPr>
+          <a:xfrm>
+            <a:off x="4242062" y="2656748"/>
+            <a:ext cx="2081848" cy="369332"/>
+          </a:xfrm>
+          <a:prstGeom prst="rect">
+            <a:avLst/>
+          </a:prstGeom>
+          <a:noFill/>
+        </p:spPr>
+        <p:txBody>
+          <a:bodyPr wrap="square" rtlCol="0">
+            <a:spAutoFit/>
+          </a:bodyPr>
+          <a:lstStyle/>
+          <a:p>
+            <a:r>
+              <a:rPr lang="en-US" dirty="0"/>
+              <a:t>Number of neurons!</a:t>
+            </a:r>
+            <a:endParaRPr lang="LID4096" dirty="0"/>
+          </a:p>
+        </p:txBody>
+      </p:sp>
+      <p:sp>
+        <p:nvSpPr>
+          <p:cNvPr id="8" name="Speech Bubble: Rectangle with Corners Rounded 7">
+            <a:extLst>
+              <a:ext uri="{FF2B5EF4-FFF2-40B4-BE49-F238E27FC236}">
+                <a16:creationId xmlns:a16="http://schemas.microsoft.com/office/drawing/2014/main" id="{B4FC0960-F19E-42FD-99C8-8AF870455267}"/>
+              </a:ext>
+            </a:extLst>
+          </p:cNvPr>
+          <p:cNvSpPr/>
+          <p:nvPr/>
+        </p:nvSpPr>
+        <p:spPr>
+          <a:xfrm>
+            <a:off x="5055076" y="3724945"/>
+            <a:ext cx="2081848" cy="510484"/>
+          </a:xfrm>
+          <a:prstGeom prst="wedgeRoundRectCallout">
+            <a:avLst>
+              <a:gd name="adj1" fmla="val -52149"/>
+              <a:gd name="adj2" fmla="val -85038"/>
+              <a:gd name="adj3" fmla="val 16667"/>
+            </a:avLst>
+          </a:prstGeom>
+          <a:noFill/>
+          <a:ln w="19050">
+            <a:solidFill>
+              <a:srgbClr val="FF0000"/>
+            </a:solidFill>
+          </a:ln>
+        </p:spPr>
+        <p:style>
+          <a:lnRef idx="2">
+            <a:schemeClr val="accent1">
+              <a:shade val="50000"/>
+            </a:schemeClr>
+          </a:lnRef>
+          <a:fillRef idx="1">
+            <a:schemeClr val="accent1"/>
+          </a:fillRef>
+          <a:effectRef idx="0">
+            <a:schemeClr val="accent1"/>
+          </a:effectRef>
+          <a:fontRef idx="minor">
+            <a:schemeClr val="lt1"/>
+          </a:fontRef>
+        </p:style>
+        <p:txBody>
+          <a:bodyPr rtlCol="0" anchor="ctr"/>
+          <a:lstStyle/>
+          <a:p>
+            <a:pPr algn="ctr"/>
+            <a:endParaRPr lang="LID4096"/>
+          </a:p>
+        </p:txBody>
+      </p:sp>
+      <p:sp>
+        <p:nvSpPr>
+          <p:cNvPr id="9" name="TextBox 8">
+            <a:extLst>
+              <a:ext uri="{FF2B5EF4-FFF2-40B4-BE49-F238E27FC236}">
+                <a16:creationId xmlns:a16="http://schemas.microsoft.com/office/drawing/2014/main" id="{AAD5C2B6-EE25-4449-8068-DC7C41ED29FF}"/>
+              </a:ext>
+            </a:extLst>
+          </p:cNvPr>
+          <p:cNvSpPr txBox="1"/>
+          <p:nvPr/>
+        </p:nvSpPr>
+        <p:spPr>
+          <a:xfrm>
+            <a:off x="5055076" y="3801722"/>
+            <a:ext cx="2081848" cy="369332"/>
+          </a:xfrm>
+          <a:prstGeom prst="rect">
+            <a:avLst/>
+          </a:prstGeom>
+          <a:noFill/>
+        </p:spPr>
+        <p:txBody>
+          <a:bodyPr wrap="square" rtlCol="0">
+            <a:spAutoFit/>
+          </a:bodyPr>
+          <a:lstStyle/>
+          <a:p>
+            <a:r>
+              <a:rPr lang="en-US" dirty="0"/>
+              <a:t>Activation function</a:t>
+            </a:r>
+            <a:endParaRPr lang="LID4096" dirty="0"/>
+          </a:p>
+        </p:txBody>
+      </p:sp>
+      <p:sp>
+        <p:nvSpPr>
+          <p:cNvPr id="11" name="Speech Bubble: Rectangle with Corners Rounded 10">
+            <a:extLst>
+              <a:ext uri="{FF2B5EF4-FFF2-40B4-BE49-F238E27FC236}">
+                <a16:creationId xmlns:a16="http://schemas.microsoft.com/office/drawing/2014/main" id="{0AA6540F-0337-4700-B9C7-2D863BAABB38}"/>
+              </a:ext>
+            </a:extLst>
+          </p:cNvPr>
+          <p:cNvSpPr/>
+          <p:nvPr/>
+        </p:nvSpPr>
+        <p:spPr>
+          <a:xfrm>
+            <a:off x="7262519" y="3724945"/>
+            <a:ext cx="2081848" cy="510484"/>
+          </a:xfrm>
+          <a:prstGeom prst="wedgeRoundRectCallout">
+            <a:avLst>
+              <a:gd name="adj1" fmla="val -52149"/>
+              <a:gd name="adj2" fmla="val -85038"/>
+              <a:gd name="adj3" fmla="val 16667"/>
+            </a:avLst>
+          </a:prstGeom>
+          <a:noFill/>
+          <a:ln w="19050">
+            <a:solidFill>
+              <a:srgbClr val="FF0000"/>
+            </a:solidFill>
+          </a:ln>
+        </p:spPr>
+        <p:style>
+          <a:lnRef idx="2">
+            <a:schemeClr val="accent1">
+              <a:shade val="50000"/>
+            </a:schemeClr>
+          </a:lnRef>
+          <a:fillRef idx="1">
+            <a:schemeClr val="accent1"/>
+          </a:fillRef>
+          <a:effectRef idx="0">
+            <a:schemeClr val="accent1"/>
+          </a:effectRef>
+          <a:fontRef idx="minor">
+            <a:schemeClr val="lt1"/>
+          </a:fontRef>
+        </p:style>
+        <p:txBody>
+          <a:bodyPr rtlCol="0" anchor="ctr"/>
+          <a:lstStyle/>
+          <a:p>
+            <a:pPr algn="ctr"/>
+            <a:endParaRPr lang="LID4096"/>
+          </a:p>
+        </p:txBody>
+      </p:sp>
+      <p:sp>
+        <p:nvSpPr>
+          <p:cNvPr id="12" name="TextBox 11">
+            <a:extLst>
+              <a:ext uri="{FF2B5EF4-FFF2-40B4-BE49-F238E27FC236}">
+                <a16:creationId xmlns:a16="http://schemas.microsoft.com/office/drawing/2014/main" id="{2B2B2D54-D6A7-4C25-9990-307B16633B8A}"/>
+              </a:ext>
+            </a:extLst>
+          </p:cNvPr>
+          <p:cNvSpPr txBox="1"/>
+          <p:nvPr/>
+        </p:nvSpPr>
+        <p:spPr>
+          <a:xfrm>
+            <a:off x="7262519" y="3801722"/>
+            <a:ext cx="2081848" cy="369332"/>
+          </a:xfrm>
+          <a:prstGeom prst="rect">
+            <a:avLst/>
+          </a:prstGeom>
+          <a:noFill/>
+        </p:spPr>
+        <p:txBody>
+          <a:bodyPr wrap="square" rtlCol="0">
+            <a:spAutoFit/>
+          </a:bodyPr>
+          <a:lstStyle/>
+          <a:p>
+            <a:r>
+              <a:rPr lang="en-US" dirty="0"/>
+              <a:t>Number of inputs</a:t>
+            </a:r>
+            <a:endParaRPr lang="LID4096" dirty="0"/>
+          </a:p>
+        </p:txBody>
+      </p:sp>
+      <p:sp>
+        <p:nvSpPr>
+          <p:cNvPr id="13" name="Speech Bubble: Rectangle with Corners Rounded 12">
+            <a:extLst>
+              <a:ext uri="{FF2B5EF4-FFF2-40B4-BE49-F238E27FC236}">
+                <a16:creationId xmlns:a16="http://schemas.microsoft.com/office/drawing/2014/main" id="{E9344CF5-2942-4065-9D73-81EED2C372AC}"/>
+              </a:ext>
+            </a:extLst>
+          </p:cNvPr>
+          <p:cNvSpPr/>
+          <p:nvPr/>
+        </p:nvSpPr>
+        <p:spPr>
+          <a:xfrm>
+            <a:off x="2395147" y="4308827"/>
+            <a:ext cx="4289290" cy="739556"/>
+          </a:xfrm>
+          <a:prstGeom prst="wedgeRoundRectCallout">
+            <a:avLst>
+              <a:gd name="adj1" fmla="val -33964"/>
+              <a:gd name="adj2" fmla="val -113337"/>
+              <a:gd name="adj3" fmla="val 16667"/>
+            </a:avLst>
+          </a:prstGeom>
+          <a:noFill/>
+          <a:ln w="19050">
+            <a:solidFill>
+              <a:srgbClr val="FF0000"/>
+            </a:solidFill>
+          </a:ln>
+        </p:spPr>
+        <p:style>
+          <a:lnRef idx="2">
+            <a:schemeClr val="accent1">
+              <a:shade val="50000"/>
+            </a:schemeClr>
+          </a:lnRef>
+          <a:fillRef idx="1">
+            <a:schemeClr val="accent1"/>
+          </a:fillRef>
+          <a:effectRef idx="0">
+            <a:schemeClr val="accent1"/>
+          </a:effectRef>
+          <a:fontRef idx="minor">
+            <a:schemeClr val="lt1"/>
+          </a:fontRef>
+        </p:style>
+        <p:txBody>
+          <a:bodyPr rtlCol="0" anchor="ctr"/>
+          <a:lstStyle/>
+          <a:p>
+            <a:pPr algn="ctr"/>
+            <a:endParaRPr lang="LID4096"/>
+          </a:p>
+        </p:txBody>
+      </p:sp>
+      <p:sp>
+        <p:nvSpPr>
+          <p:cNvPr id="14" name="TextBox 13">
+            <a:extLst>
+              <a:ext uri="{FF2B5EF4-FFF2-40B4-BE49-F238E27FC236}">
+                <a16:creationId xmlns:a16="http://schemas.microsoft.com/office/drawing/2014/main" id="{CB803C61-FCAD-42FB-A7B2-EEC91C0CDA9C}"/>
+              </a:ext>
+            </a:extLst>
+          </p:cNvPr>
+          <p:cNvSpPr txBox="1"/>
+          <p:nvPr/>
+        </p:nvSpPr>
+        <p:spPr>
+          <a:xfrm>
+            <a:off x="2476797" y="4308827"/>
+            <a:ext cx="4289291" cy="646331"/>
+          </a:xfrm>
+          <a:prstGeom prst="rect">
+            <a:avLst/>
+          </a:prstGeom>
+          <a:noFill/>
+        </p:spPr>
+        <p:txBody>
+          <a:bodyPr wrap="square" rtlCol="0">
+            <a:spAutoFit/>
+          </a:bodyPr>
+          <a:lstStyle/>
+          <a:p>
+            <a:r>
+              <a:rPr lang="en-US" dirty="0"/>
+              <a:t>Randomly drops some nodes (neurons) and doesn’t consider them in training phase!</a:t>
+            </a:r>
+            <a:endParaRPr lang="LID4096" dirty="0"/>
+          </a:p>
+        </p:txBody>
+      </p:sp>
+      <p:sp>
+        <p:nvSpPr>
+          <p:cNvPr id="15" name="Speech Bubble: Rectangle with Corners Rounded 14">
+            <a:extLst>
+              <a:ext uri="{FF2B5EF4-FFF2-40B4-BE49-F238E27FC236}">
+                <a16:creationId xmlns:a16="http://schemas.microsoft.com/office/drawing/2014/main" id="{4409E86E-2CEF-42D6-8D5C-2B5925C2FB37}"/>
+              </a:ext>
+            </a:extLst>
+          </p:cNvPr>
+          <p:cNvSpPr/>
+          <p:nvPr/>
+        </p:nvSpPr>
+        <p:spPr>
+          <a:xfrm>
+            <a:off x="1395166" y="1932737"/>
+            <a:ext cx="2771481" cy="954107"/>
+          </a:xfrm>
+          <a:prstGeom prst="wedgeRoundRectCallout">
+            <a:avLst>
+              <a:gd name="adj1" fmla="val -26116"/>
+              <a:gd name="adj2" fmla="val 71758"/>
+              <a:gd name="adj3" fmla="val 16667"/>
+            </a:avLst>
+          </a:prstGeom>
+          <a:noFill/>
+          <a:ln w="19050">
+            <a:solidFill>
+              <a:srgbClr val="FF0000"/>
+            </a:solidFill>
+          </a:ln>
+        </p:spPr>
+        <p:style>
+          <a:lnRef idx="2">
+            <a:schemeClr val="accent1">
+              <a:shade val="50000"/>
+            </a:schemeClr>
+          </a:lnRef>
+          <a:fillRef idx="1">
+            <a:schemeClr val="accent1"/>
+          </a:fillRef>
+          <a:effectRef idx="0">
+            <a:schemeClr val="accent1"/>
+          </a:effectRef>
+          <a:fontRef idx="minor">
+            <a:schemeClr val="lt1"/>
+          </a:fontRef>
+        </p:style>
+        <p:txBody>
+          <a:bodyPr rtlCol="0" anchor="ctr"/>
+          <a:lstStyle/>
+          <a:p>
+            <a:pPr algn="ctr"/>
+            <a:endParaRPr lang="LID4096"/>
+          </a:p>
+        </p:txBody>
+      </p:sp>
+      <p:sp>
+        <p:nvSpPr>
+          <p:cNvPr id="16" name="TextBox 15">
+            <a:extLst>
+              <a:ext uri="{FF2B5EF4-FFF2-40B4-BE49-F238E27FC236}">
+                <a16:creationId xmlns:a16="http://schemas.microsoft.com/office/drawing/2014/main" id="{2CDBC2F4-733B-4855-937A-7B216F3A080A}"/>
+              </a:ext>
+            </a:extLst>
+          </p:cNvPr>
+          <p:cNvSpPr txBox="1"/>
+          <p:nvPr/>
+        </p:nvSpPr>
+        <p:spPr>
+          <a:xfrm>
+            <a:off x="1412722" y="1938430"/>
+            <a:ext cx="2829340" cy="923330"/>
+          </a:xfrm>
+          <a:prstGeom prst="rect">
+            <a:avLst/>
+          </a:prstGeom>
+          <a:noFill/>
+        </p:spPr>
+        <p:txBody>
+          <a:bodyPr wrap="square" rtlCol="0">
+            <a:spAutoFit/>
+          </a:bodyPr>
+          <a:lstStyle/>
+          <a:p>
+            <a:r>
+              <a:rPr lang="en-US" dirty="0"/>
+              <a:t>It means that we have a sequence of layers </a:t>
+            </a:r>
+          </a:p>
+          <a:p>
+            <a:r>
+              <a:rPr lang="en-US" dirty="0"/>
+              <a:t>(multi-layer NN)</a:t>
+            </a:r>
+            <a:endParaRPr lang="LID4096" dirty="0"/>
+          </a:p>
+        </p:txBody>
+      </p:sp>
     </p:spTree>
     <p:extLst>
       <p:ext uri="{BB962C8B-B14F-4D97-AF65-F5344CB8AC3E}">
@@ -11940,6 +13113,1348 @@
   <p:clrMapOvr>
     <a:masterClrMapping/>
   </p:clrMapOvr>
+</p:sld>
+</file>
+
+<file path=ppt/slides/slide8.xml><?xml version="1.0" encoding="utf-8"?>
+<p:sld xmlns:a="http://schemas.openxmlformats.org/drawingml/2006/main" xmlns:r="http://schemas.openxmlformats.org/officeDocument/2006/relationships" xmlns:p="http://schemas.openxmlformats.org/presentationml/2006/main">
+  <p:cSld>
+    <p:spTree>
+      <p:nvGrpSpPr>
+        <p:cNvPr id="1" name=""/>
+        <p:cNvGrpSpPr/>
+        <p:nvPr/>
+      </p:nvGrpSpPr>
+      <p:grpSpPr>
+        <a:xfrm>
+          <a:off x="0" y="0"/>
+          <a:ext cx="0" cy="0"/>
+          <a:chOff x="0" y="0"/>
+          <a:chExt cx="0" cy="0"/>
+        </a:xfrm>
+      </p:grpSpPr>
+      <p:sp>
+        <p:nvSpPr>
+          <p:cNvPr id="2" name="TextBox 1">
+            <a:extLst>
+              <a:ext uri="{FF2B5EF4-FFF2-40B4-BE49-F238E27FC236}">
+                <a16:creationId xmlns:a16="http://schemas.microsoft.com/office/drawing/2014/main" id="{D99350DF-91DA-4198-9EA6-9DF837664C46}"/>
+              </a:ext>
+            </a:extLst>
+          </p:cNvPr>
+          <p:cNvSpPr txBox="1"/>
+          <p:nvPr/>
+        </p:nvSpPr>
+        <p:spPr>
+          <a:xfrm>
+            <a:off x="829559" y="461913"/>
+            <a:ext cx="1121789" cy="369332"/>
+          </a:xfrm>
+          <a:prstGeom prst="rect">
+            <a:avLst/>
+          </a:prstGeom>
+          <a:noFill/>
+        </p:spPr>
+        <p:txBody>
+          <a:bodyPr wrap="square" rtlCol="0">
+            <a:spAutoFit/>
+          </a:bodyPr>
+          <a:lstStyle/>
+          <a:p>
+            <a:r>
+              <a:rPr lang="en-US" dirty="0"/>
+              <a:t>Example:</a:t>
+            </a:r>
+            <a:endParaRPr lang="LID4096" dirty="0"/>
+          </a:p>
+        </p:txBody>
+      </p:sp>
+      <p:sp>
+        <p:nvSpPr>
+          <p:cNvPr id="4" name="TextBox 3">
+            <a:extLst>
+              <a:ext uri="{FF2B5EF4-FFF2-40B4-BE49-F238E27FC236}">
+                <a16:creationId xmlns:a16="http://schemas.microsoft.com/office/drawing/2014/main" id="{8D8237F0-740E-4A87-99F7-A1C6CF2382D2}"/>
+              </a:ext>
+            </a:extLst>
+          </p:cNvPr>
+          <p:cNvSpPr txBox="1"/>
+          <p:nvPr/>
+        </p:nvSpPr>
+        <p:spPr>
+          <a:xfrm>
+            <a:off x="829559" y="928442"/>
+            <a:ext cx="9144000" cy="2462213"/>
+          </a:xfrm>
+          <a:prstGeom prst="rect">
+            <a:avLst/>
+          </a:prstGeom>
+          <a:noFill/>
+        </p:spPr>
+        <p:txBody>
+          <a:bodyPr wrap="square">
+            <a:spAutoFit/>
+          </a:bodyPr>
+          <a:lstStyle/>
+          <a:p>
+            <a:r>
+              <a:rPr lang="en-US" sz="1400" dirty="0" err="1">
+                <a:latin typeface="Arial" panose="020B0604020202020204" pitchFamily="34" charset="0"/>
+                <a:cs typeface="Arial" panose="020B0604020202020204" pitchFamily="34" charset="0"/>
+              </a:rPr>
+              <a:t>nn_model</a:t>
+            </a:r>
+            <a:r>
+              <a:rPr lang="en-US" sz="1400" dirty="0">
+                <a:latin typeface="Arial" panose="020B0604020202020204" pitchFamily="34" charset="0"/>
+                <a:cs typeface="Arial" panose="020B0604020202020204" pitchFamily="34" charset="0"/>
+              </a:rPr>
+              <a:t>=</a:t>
+            </a:r>
+            <a:r>
+              <a:rPr lang="en-US" sz="1400" dirty="0" err="1">
+                <a:latin typeface="Arial" panose="020B0604020202020204" pitchFamily="34" charset="0"/>
+                <a:cs typeface="Arial" panose="020B0604020202020204" pitchFamily="34" charset="0"/>
+              </a:rPr>
+              <a:t>tf.keras.Sequential</a:t>
+            </a:r>
+            <a:r>
+              <a:rPr lang="en-US" sz="1400" dirty="0">
+                <a:latin typeface="Arial" panose="020B0604020202020204" pitchFamily="34" charset="0"/>
+                <a:cs typeface="Arial" panose="020B0604020202020204" pitchFamily="34" charset="0"/>
+              </a:rPr>
+              <a:t>([</a:t>
+            </a:r>
+          </a:p>
+          <a:p>
+            <a:r>
+              <a:rPr lang="en-US" sz="1400" dirty="0">
+                <a:latin typeface="Arial" panose="020B0604020202020204" pitchFamily="34" charset="0"/>
+                <a:cs typeface="Arial" panose="020B0604020202020204" pitchFamily="34" charset="0"/>
+              </a:rPr>
+              <a:t>        </a:t>
+            </a:r>
+            <a:r>
+              <a:rPr lang="en-US" sz="1400" dirty="0" err="1">
+                <a:latin typeface="Arial" panose="020B0604020202020204" pitchFamily="34" charset="0"/>
+                <a:cs typeface="Arial" panose="020B0604020202020204" pitchFamily="34" charset="0"/>
+              </a:rPr>
+              <a:t>tf.keras.layers.Dense</a:t>
+            </a:r>
+            <a:r>
+              <a:rPr lang="en-US" sz="1400" dirty="0">
+                <a:latin typeface="Arial" panose="020B0604020202020204" pitchFamily="34" charset="0"/>
+                <a:cs typeface="Arial" panose="020B0604020202020204" pitchFamily="34" charset="0"/>
+              </a:rPr>
+              <a:t>(</a:t>
+            </a:r>
+            <a:r>
+              <a:rPr lang="en-US" sz="1400" dirty="0" err="1">
+                <a:latin typeface="Arial" panose="020B0604020202020204" pitchFamily="34" charset="0"/>
+                <a:cs typeface="Arial" panose="020B0604020202020204" pitchFamily="34" charset="0"/>
+              </a:rPr>
+              <a:t>num_nodes</a:t>
+            </a:r>
+            <a:r>
+              <a:rPr lang="en-US" sz="1400" dirty="0">
+                <a:latin typeface="Arial" panose="020B0604020202020204" pitchFamily="34" charset="0"/>
+                <a:cs typeface="Arial" panose="020B0604020202020204" pitchFamily="34" charset="0"/>
+              </a:rPr>
+              <a:t>, activation='</a:t>
+            </a:r>
+            <a:r>
+              <a:rPr lang="en-US" sz="1400" dirty="0" err="1">
+                <a:latin typeface="Arial" panose="020B0604020202020204" pitchFamily="34" charset="0"/>
+                <a:cs typeface="Arial" panose="020B0604020202020204" pitchFamily="34" charset="0"/>
+              </a:rPr>
+              <a:t>relu</a:t>
+            </a:r>
+            <a:r>
+              <a:rPr lang="en-US" sz="1400" dirty="0">
+                <a:latin typeface="Arial" panose="020B0604020202020204" pitchFamily="34" charset="0"/>
+                <a:cs typeface="Arial" panose="020B0604020202020204" pitchFamily="34" charset="0"/>
+              </a:rPr>
+              <a:t>',</a:t>
+            </a:r>
+            <a:r>
+              <a:rPr lang="en-US" sz="1400" dirty="0" err="1">
+                <a:latin typeface="Arial" panose="020B0604020202020204" pitchFamily="34" charset="0"/>
+                <a:cs typeface="Arial" panose="020B0604020202020204" pitchFamily="34" charset="0"/>
+              </a:rPr>
+              <a:t>input_shape</a:t>
+            </a:r>
+            <a:r>
+              <a:rPr lang="en-US" sz="1400" dirty="0">
+                <a:latin typeface="Arial" panose="020B0604020202020204" pitchFamily="34" charset="0"/>
+                <a:cs typeface="Arial" panose="020B0604020202020204" pitchFamily="34" charset="0"/>
+              </a:rPr>
+              <a:t>=(10,)), </a:t>
+            </a:r>
+          </a:p>
+          <a:p>
+            <a:r>
+              <a:rPr lang="en-US" sz="1400" dirty="0">
+                <a:latin typeface="Arial" panose="020B0604020202020204" pitchFamily="34" charset="0"/>
+                <a:cs typeface="Arial" panose="020B0604020202020204" pitchFamily="34" charset="0"/>
+              </a:rPr>
+              <a:t>        </a:t>
+            </a:r>
+            <a:r>
+              <a:rPr lang="en-US" sz="1400" dirty="0" err="1">
+                <a:latin typeface="Arial" panose="020B0604020202020204" pitchFamily="34" charset="0"/>
+                <a:cs typeface="Arial" panose="020B0604020202020204" pitchFamily="34" charset="0"/>
+              </a:rPr>
+              <a:t>tf.keras.layers.Dense</a:t>
+            </a:r>
+            <a:r>
+              <a:rPr lang="en-US" sz="1400" dirty="0">
+                <a:latin typeface="Arial" panose="020B0604020202020204" pitchFamily="34" charset="0"/>
+                <a:cs typeface="Arial" panose="020B0604020202020204" pitchFamily="34" charset="0"/>
+              </a:rPr>
+              <a:t>(</a:t>
+            </a:r>
+            <a:r>
+              <a:rPr lang="en-US" sz="1400" dirty="0" err="1">
+                <a:latin typeface="Arial" panose="020B0604020202020204" pitchFamily="34" charset="0"/>
+                <a:cs typeface="Arial" panose="020B0604020202020204" pitchFamily="34" charset="0"/>
+              </a:rPr>
+              <a:t>num_nodes</a:t>
+            </a:r>
+            <a:r>
+              <a:rPr lang="en-US" sz="1400" dirty="0">
+                <a:latin typeface="Arial" panose="020B0604020202020204" pitchFamily="34" charset="0"/>
+                <a:cs typeface="Arial" panose="020B0604020202020204" pitchFamily="34" charset="0"/>
+              </a:rPr>
+              <a:t>, activation='</a:t>
+            </a:r>
+            <a:r>
+              <a:rPr lang="en-US" sz="1400" dirty="0" err="1">
+                <a:latin typeface="Arial" panose="020B0604020202020204" pitchFamily="34" charset="0"/>
+                <a:cs typeface="Arial" panose="020B0604020202020204" pitchFamily="34" charset="0"/>
+              </a:rPr>
+              <a:t>relu</a:t>
+            </a:r>
+            <a:r>
+              <a:rPr lang="en-US" sz="1400" dirty="0">
+                <a:latin typeface="Arial" panose="020B0604020202020204" pitchFamily="34" charset="0"/>
+                <a:cs typeface="Arial" panose="020B0604020202020204" pitchFamily="34" charset="0"/>
+              </a:rPr>
+              <a:t>',</a:t>
+            </a:r>
+            <a:r>
+              <a:rPr lang="en-US" sz="1400" dirty="0" err="1">
+                <a:latin typeface="Arial" panose="020B0604020202020204" pitchFamily="34" charset="0"/>
+                <a:cs typeface="Arial" panose="020B0604020202020204" pitchFamily="34" charset="0"/>
+              </a:rPr>
+              <a:t>input_shape</a:t>
+            </a:r>
+            <a:r>
+              <a:rPr lang="en-US" sz="1400" dirty="0">
+                <a:latin typeface="Arial" panose="020B0604020202020204" pitchFamily="34" charset="0"/>
+                <a:cs typeface="Arial" panose="020B0604020202020204" pitchFamily="34" charset="0"/>
+              </a:rPr>
+              <a:t>=(10,)),</a:t>
+            </a:r>
+          </a:p>
+          <a:p>
+            <a:r>
+              <a:rPr lang="en-US" sz="1400" dirty="0">
+                <a:latin typeface="Arial" panose="020B0604020202020204" pitchFamily="34" charset="0"/>
+                <a:cs typeface="Arial" panose="020B0604020202020204" pitchFamily="34" charset="0"/>
+              </a:rPr>
+              <a:t>        </a:t>
+            </a:r>
+            <a:r>
+              <a:rPr lang="en-US" sz="1400" dirty="0" err="1">
+                <a:latin typeface="Arial" panose="020B0604020202020204" pitchFamily="34" charset="0"/>
+                <a:cs typeface="Arial" panose="020B0604020202020204" pitchFamily="34" charset="0"/>
+              </a:rPr>
+              <a:t>tf.keras.layers.Dense</a:t>
+            </a:r>
+            <a:r>
+              <a:rPr lang="en-US" sz="1400" dirty="0">
+                <a:latin typeface="Arial" panose="020B0604020202020204" pitchFamily="34" charset="0"/>
+                <a:cs typeface="Arial" panose="020B0604020202020204" pitchFamily="34" charset="0"/>
+              </a:rPr>
+              <a:t>(1, activation='sigmoid’) </a:t>
+            </a:r>
+          </a:p>
+          <a:p>
+            <a:r>
+              <a:rPr lang="en-US" sz="1400" dirty="0">
+                <a:latin typeface="Arial" panose="020B0604020202020204" pitchFamily="34" charset="0"/>
+                <a:cs typeface="Arial" panose="020B0604020202020204" pitchFamily="34" charset="0"/>
+              </a:rPr>
+              <a:t>])</a:t>
+            </a:r>
+          </a:p>
+          <a:p>
+            <a:endParaRPr lang="en-US" sz="1400" dirty="0">
+              <a:latin typeface="Arial" panose="020B0604020202020204" pitchFamily="34" charset="0"/>
+              <a:cs typeface="Arial" panose="020B0604020202020204" pitchFamily="34" charset="0"/>
+            </a:endParaRPr>
+          </a:p>
+          <a:p>
+            <a:r>
+              <a:rPr lang="en-US" sz="1400" dirty="0" err="1">
+                <a:latin typeface="Arial" panose="020B0604020202020204" pitchFamily="34" charset="0"/>
+                <a:cs typeface="Arial" panose="020B0604020202020204" pitchFamily="34" charset="0"/>
+              </a:rPr>
+              <a:t>nn_model</a:t>
+            </a:r>
+            <a:r>
+              <a:rPr lang="en-US" sz="1400" dirty="0">
+                <a:latin typeface="Arial" panose="020B0604020202020204" pitchFamily="34" charset="0"/>
+                <a:cs typeface="Arial" panose="020B0604020202020204" pitchFamily="34" charset="0"/>
+              </a:rPr>
+              <a:t>=</a:t>
+            </a:r>
+            <a:r>
+              <a:rPr lang="en-US" sz="1400" dirty="0" err="1">
+                <a:latin typeface="Arial" panose="020B0604020202020204" pitchFamily="34" charset="0"/>
+                <a:cs typeface="Arial" panose="020B0604020202020204" pitchFamily="34" charset="0"/>
+              </a:rPr>
+              <a:t>tf.keras.Sequential</a:t>
+            </a:r>
+            <a:r>
+              <a:rPr lang="en-US" sz="1400" dirty="0">
+                <a:latin typeface="Arial" panose="020B0604020202020204" pitchFamily="34" charset="0"/>
+                <a:cs typeface="Arial" panose="020B0604020202020204" pitchFamily="34" charset="0"/>
+              </a:rPr>
+              <a:t>([</a:t>
+            </a:r>
+          </a:p>
+          <a:p>
+            <a:r>
+              <a:rPr lang="en-US" sz="1400" dirty="0">
+                <a:latin typeface="Arial" panose="020B0604020202020204" pitchFamily="34" charset="0"/>
+                <a:cs typeface="Arial" panose="020B0604020202020204" pitchFamily="34" charset="0"/>
+              </a:rPr>
+              <a:t>        </a:t>
+            </a:r>
+            <a:r>
+              <a:rPr lang="en-US" sz="1400" dirty="0" err="1">
+                <a:latin typeface="Arial" panose="020B0604020202020204" pitchFamily="34" charset="0"/>
+                <a:cs typeface="Arial" panose="020B0604020202020204" pitchFamily="34" charset="0"/>
+              </a:rPr>
+              <a:t>tf.keras.layers.Dense</a:t>
+            </a:r>
+            <a:r>
+              <a:rPr lang="en-US" sz="1400" dirty="0">
+                <a:latin typeface="Arial" panose="020B0604020202020204" pitchFamily="34" charset="0"/>
+                <a:cs typeface="Arial" panose="020B0604020202020204" pitchFamily="34" charset="0"/>
+              </a:rPr>
+              <a:t>(16, activation='</a:t>
+            </a:r>
+            <a:r>
+              <a:rPr lang="en-US" sz="1400" dirty="0" err="1">
+                <a:latin typeface="Arial" panose="020B0604020202020204" pitchFamily="34" charset="0"/>
+                <a:cs typeface="Arial" panose="020B0604020202020204" pitchFamily="34" charset="0"/>
+              </a:rPr>
+              <a:t>relu</a:t>
+            </a:r>
+            <a:r>
+              <a:rPr lang="en-US" sz="1400" dirty="0">
+                <a:latin typeface="Arial" panose="020B0604020202020204" pitchFamily="34" charset="0"/>
+                <a:cs typeface="Arial" panose="020B0604020202020204" pitchFamily="34" charset="0"/>
+              </a:rPr>
+              <a:t>',</a:t>
+            </a:r>
+            <a:r>
+              <a:rPr lang="en-US" sz="1400" dirty="0" err="1">
+                <a:latin typeface="Arial" panose="020B0604020202020204" pitchFamily="34" charset="0"/>
+                <a:cs typeface="Arial" panose="020B0604020202020204" pitchFamily="34" charset="0"/>
+              </a:rPr>
+              <a:t>input_shape</a:t>
+            </a:r>
+            <a:r>
+              <a:rPr lang="en-US" sz="1400" dirty="0">
+                <a:latin typeface="Arial" panose="020B0604020202020204" pitchFamily="34" charset="0"/>
+                <a:cs typeface="Arial" panose="020B0604020202020204" pitchFamily="34" charset="0"/>
+              </a:rPr>
+              <a:t>=(10,)), </a:t>
+            </a:r>
+          </a:p>
+          <a:p>
+            <a:r>
+              <a:rPr lang="en-US" sz="1400" dirty="0">
+                <a:latin typeface="Arial" panose="020B0604020202020204" pitchFamily="34" charset="0"/>
+                <a:cs typeface="Arial" panose="020B0604020202020204" pitchFamily="34" charset="0"/>
+              </a:rPr>
+              <a:t>        </a:t>
+            </a:r>
+            <a:r>
+              <a:rPr lang="en-US" sz="1400" dirty="0" err="1">
+                <a:latin typeface="Arial" panose="020B0604020202020204" pitchFamily="34" charset="0"/>
+                <a:cs typeface="Arial" panose="020B0604020202020204" pitchFamily="34" charset="0"/>
+              </a:rPr>
+              <a:t>tf.keras.layers.Dense</a:t>
+            </a:r>
+            <a:r>
+              <a:rPr lang="en-US" sz="1400" dirty="0">
+                <a:latin typeface="Arial" panose="020B0604020202020204" pitchFamily="34" charset="0"/>
+                <a:cs typeface="Arial" panose="020B0604020202020204" pitchFamily="34" charset="0"/>
+              </a:rPr>
+              <a:t>(16, activation='</a:t>
+            </a:r>
+            <a:r>
+              <a:rPr lang="en-US" sz="1400" dirty="0" err="1">
+                <a:latin typeface="Arial" panose="020B0604020202020204" pitchFamily="34" charset="0"/>
+                <a:cs typeface="Arial" panose="020B0604020202020204" pitchFamily="34" charset="0"/>
+              </a:rPr>
+              <a:t>relu</a:t>
+            </a:r>
+            <a:r>
+              <a:rPr lang="en-US" sz="1400" dirty="0">
+                <a:latin typeface="Arial" panose="020B0604020202020204" pitchFamily="34" charset="0"/>
+                <a:cs typeface="Arial" panose="020B0604020202020204" pitchFamily="34" charset="0"/>
+              </a:rPr>
+              <a:t>'),</a:t>
+            </a:r>
+          </a:p>
+          <a:p>
+            <a:r>
+              <a:rPr lang="en-US" sz="1400" dirty="0">
+                <a:latin typeface="Arial" panose="020B0604020202020204" pitchFamily="34" charset="0"/>
+                <a:cs typeface="Arial" panose="020B0604020202020204" pitchFamily="34" charset="0"/>
+              </a:rPr>
+              <a:t>        </a:t>
+            </a:r>
+            <a:r>
+              <a:rPr lang="en-US" sz="1400" dirty="0" err="1">
+                <a:latin typeface="Arial" panose="020B0604020202020204" pitchFamily="34" charset="0"/>
+                <a:cs typeface="Arial" panose="020B0604020202020204" pitchFamily="34" charset="0"/>
+              </a:rPr>
+              <a:t>tf.keras.layers.Dense</a:t>
+            </a:r>
+            <a:r>
+              <a:rPr lang="en-US" sz="1400" dirty="0">
+                <a:latin typeface="Arial" panose="020B0604020202020204" pitchFamily="34" charset="0"/>
+                <a:cs typeface="Arial" panose="020B0604020202020204" pitchFamily="34" charset="0"/>
+              </a:rPr>
+              <a:t>(1, activation='sigmoid’) </a:t>
+            </a:r>
+          </a:p>
+          <a:p>
+            <a:r>
+              <a:rPr lang="en-US" sz="1400" dirty="0">
+                <a:latin typeface="Arial" panose="020B0604020202020204" pitchFamily="34" charset="0"/>
+                <a:cs typeface="Arial" panose="020B0604020202020204" pitchFamily="34" charset="0"/>
+              </a:rPr>
+              <a:t>])</a:t>
+            </a:r>
+          </a:p>
+        </p:txBody>
+      </p:sp>
+      <p:sp>
+        <p:nvSpPr>
+          <p:cNvPr id="5" name="Speech Bubble: Rectangle with Corners Rounded 4">
+            <a:extLst>
+              <a:ext uri="{FF2B5EF4-FFF2-40B4-BE49-F238E27FC236}">
+                <a16:creationId xmlns:a16="http://schemas.microsoft.com/office/drawing/2014/main" id="{037748A9-753D-4AB4-A35B-6E82D842B1B0}"/>
+              </a:ext>
+            </a:extLst>
+          </p:cNvPr>
+          <p:cNvSpPr/>
+          <p:nvPr/>
+        </p:nvSpPr>
+        <p:spPr>
+          <a:xfrm>
+            <a:off x="6096000" y="2093527"/>
+            <a:ext cx="3628581" cy="369332"/>
+          </a:xfrm>
+          <a:prstGeom prst="wedgeRoundRectCallout">
+            <a:avLst>
+              <a:gd name="adj1" fmla="val -54403"/>
+              <a:gd name="adj2" fmla="val 44720"/>
+              <a:gd name="adj3" fmla="val 16667"/>
+            </a:avLst>
+          </a:prstGeom>
+          <a:noFill/>
+          <a:ln w="19050">
+            <a:solidFill>
+              <a:srgbClr val="FF0000"/>
+            </a:solidFill>
+          </a:ln>
+        </p:spPr>
+        <p:style>
+          <a:lnRef idx="2">
+            <a:schemeClr val="accent1">
+              <a:shade val="50000"/>
+            </a:schemeClr>
+          </a:lnRef>
+          <a:fillRef idx="1">
+            <a:schemeClr val="accent1"/>
+          </a:fillRef>
+          <a:effectRef idx="0">
+            <a:schemeClr val="accent1"/>
+          </a:effectRef>
+          <a:fontRef idx="minor">
+            <a:schemeClr val="lt1"/>
+          </a:fontRef>
+        </p:style>
+        <p:txBody>
+          <a:bodyPr rtlCol="0" anchor="ctr"/>
+          <a:lstStyle/>
+          <a:p>
+            <a:pPr algn="ctr"/>
+            <a:endParaRPr lang="LID4096"/>
+          </a:p>
+        </p:txBody>
+      </p:sp>
+      <p:sp>
+        <p:nvSpPr>
+          <p:cNvPr id="6" name="TextBox 5">
+            <a:extLst>
+              <a:ext uri="{FF2B5EF4-FFF2-40B4-BE49-F238E27FC236}">
+                <a16:creationId xmlns:a16="http://schemas.microsoft.com/office/drawing/2014/main" id="{3E9191E7-4E65-41D1-9225-EAFC7086EF0C}"/>
+              </a:ext>
+            </a:extLst>
+          </p:cNvPr>
+          <p:cNvSpPr txBox="1"/>
+          <p:nvPr/>
+        </p:nvSpPr>
+        <p:spPr>
+          <a:xfrm>
+            <a:off x="6177650" y="2093527"/>
+            <a:ext cx="4289291" cy="369332"/>
+          </a:xfrm>
+          <a:prstGeom prst="rect">
+            <a:avLst/>
+          </a:prstGeom>
+          <a:noFill/>
+        </p:spPr>
+        <p:txBody>
+          <a:bodyPr wrap="square" rtlCol="0">
+            <a:spAutoFit/>
+          </a:bodyPr>
+          <a:lstStyle/>
+          <a:p>
+            <a:r>
+              <a:rPr lang="en-US" dirty="0"/>
+              <a:t>Remember that we had 10 features</a:t>
+            </a:r>
+            <a:endParaRPr lang="LID4096" dirty="0"/>
+          </a:p>
+        </p:txBody>
+      </p:sp>
+      <p:sp>
+        <p:nvSpPr>
+          <p:cNvPr id="8" name="TextBox 7">
+            <a:extLst>
+              <a:ext uri="{FF2B5EF4-FFF2-40B4-BE49-F238E27FC236}">
+                <a16:creationId xmlns:a16="http://schemas.microsoft.com/office/drawing/2014/main" id="{3BF42317-2761-4A92-A531-586D10B34B6D}"/>
+              </a:ext>
+            </a:extLst>
+          </p:cNvPr>
+          <p:cNvSpPr txBox="1"/>
+          <p:nvPr/>
+        </p:nvSpPr>
+        <p:spPr>
+          <a:xfrm>
+            <a:off x="907329" y="4509573"/>
+            <a:ext cx="9452728" cy="307777"/>
+          </a:xfrm>
+          <a:prstGeom prst="rect">
+            <a:avLst/>
+          </a:prstGeom>
+          <a:noFill/>
+        </p:spPr>
+        <p:txBody>
+          <a:bodyPr wrap="square">
+            <a:spAutoFit/>
+          </a:bodyPr>
+          <a:lstStyle/>
+          <a:p>
+            <a:r>
+              <a:rPr lang="LID4096" sz="1400" dirty="0">
+                <a:latin typeface="Arial" panose="020B0604020202020204" pitchFamily="34" charset="0"/>
+                <a:cs typeface="Arial" panose="020B0604020202020204" pitchFamily="34" charset="0"/>
+              </a:rPr>
+              <a:t>nn_model.compile(optimizer=tf.keras.optimizers.Adam(lr), loss='binary_crossentropy',metrics=['accuracy']) </a:t>
+            </a:r>
+          </a:p>
+        </p:txBody>
+      </p:sp>
+      <p:sp>
+        <p:nvSpPr>
+          <p:cNvPr id="9" name="TextBox 8">
+            <a:extLst>
+              <a:ext uri="{FF2B5EF4-FFF2-40B4-BE49-F238E27FC236}">
+                <a16:creationId xmlns:a16="http://schemas.microsoft.com/office/drawing/2014/main" id="{75C73A21-A716-4A70-8EA7-7DE515A3B1A7}"/>
+              </a:ext>
+            </a:extLst>
+          </p:cNvPr>
+          <p:cNvSpPr txBox="1"/>
+          <p:nvPr/>
+        </p:nvSpPr>
+        <p:spPr>
+          <a:xfrm>
+            <a:off x="907330" y="3863242"/>
+            <a:ext cx="8924827" cy="646331"/>
+          </a:xfrm>
+          <a:prstGeom prst="rect">
+            <a:avLst/>
+          </a:prstGeom>
+          <a:noFill/>
+        </p:spPr>
+        <p:txBody>
+          <a:bodyPr wrap="square" rtlCol="0">
+            <a:spAutoFit/>
+          </a:bodyPr>
+          <a:lstStyle/>
+          <a:p>
+            <a:r>
+              <a:rPr lang="en-US" dirty="0"/>
+              <a:t>After building the structure of our network, we need to compile it!</a:t>
+            </a:r>
+            <a:br>
+              <a:rPr lang="en-US" dirty="0"/>
+            </a:br>
+            <a:r>
+              <a:rPr lang="en-US" dirty="0">
+                <a:solidFill>
+                  <a:srgbClr val="FF0000"/>
+                </a:solidFill>
+              </a:rPr>
+              <a:t>Attention: compiling is not training! </a:t>
+            </a:r>
+            <a:endParaRPr lang="LID4096" dirty="0">
+              <a:solidFill>
+                <a:srgbClr val="FF0000"/>
+              </a:solidFill>
+            </a:endParaRPr>
+          </a:p>
+        </p:txBody>
+      </p:sp>
+      <p:sp>
+        <p:nvSpPr>
+          <p:cNvPr id="10" name="TextBox 9">
+            <a:extLst>
+              <a:ext uri="{FF2B5EF4-FFF2-40B4-BE49-F238E27FC236}">
+                <a16:creationId xmlns:a16="http://schemas.microsoft.com/office/drawing/2014/main" id="{12B7A746-2E20-4FBC-B3F5-7ADD9B5F652B}"/>
+              </a:ext>
+            </a:extLst>
+          </p:cNvPr>
+          <p:cNvSpPr txBox="1"/>
+          <p:nvPr/>
+        </p:nvSpPr>
+        <p:spPr>
+          <a:xfrm>
+            <a:off x="907329" y="4975704"/>
+            <a:ext cx="8924827" cy="369332"/>
+          </a:xfrm>
+          <a:prstGeom prst="rect">
+            <a:avLst/>
+          </a:prstGeom>
+          <a:noFill/>
+        </p:spPr>
+        <p:txBody>
+          <a:bodyPr wrap="square" rtlCol="0">
+            <a:spAutoFit/>
+          </a:bodyPr>
+          <a:lstStyle/>
+          <a:p>
+            <a:r>
+              <a:rPr lang="en-US" dirty="0"/>
+              <a:t>There are different optimizers, loss functions, and metrics. Just google them and try them!</a:t>
+            </a:r>
+            <a:endParaRPr lang="LID4096" dirty="0"/>
+          </a:p>
+        </p:txBody>
+      </p:sp>
+    </p:spTree>
+    <p:extLst>
+      <p:ext uri="{BB962C8B-B14F-4D97-AF65-F5344CB8AC3E}">
+        <p14:creationId xmlns:p14="http://schemas.microsoft.com/office/powerpoint/2010/main" val="1670269802"/>
+      </p:ext>
+    </p:extLst>
+  </p:cSld>
+  <p:clrMapOvr>
+    <a:masterClrMapping/>
+  </p:clrMapOvr>
+  <p:timing>
+    <p:tnLst>
+      <p:par>
+        <p:cTn id="1" dur="indefinite" restart="never" nodeType="tmRoot">
+          <p:childTnLst>
+            <p:seq concurrent="1" nextAc="seek">
+              <p:cTn id="2" dur="indefinite" nodeType="mainSeq">
+                <p:childTnLst>
+                  <p:par>
+                    <p:cTn id="3" fill="hold">
+                      <p:stCondLst>
+                        <p:cond delay="indefinite"/>
+                      </p:stCondLst>
+                      <p:childTnLst>
+                        <p:par>
+                          <p:cTn id="4" fill="hold">
+                            <p:stCondLst>
+                              <p:cond delay="0"/>
+                            </p:stCondLst>
+                            <p:childTnLst>
+                              <p:par>
+                                <p:cTn id="5" presetID="1" presetClass="entr" presetSubtype="0" fill="hold" grpId="0" nodeType="clickEffect">
+                                  <p:stCondLst>
+                                    <p:cond delay="0"/>
+                                  </p:stCondLst>
+                                  <p:childTnLst>
+                                    <p:set>
+                                      <p:cBhvr>
+                                        <p:cTn id="6" dur="1" fill="hold">
+                                          <p:stCondLst>
+                                            <p:cond delay="0"/>
+                                          </p:stCondLst>
+                                        </p:cTn>
+                                        <p:tgtEl>
+                                          <p:spTgt spid="5"/>
+                                        </p:tgtEl>
+                                        <p:attrNameLst>
+                                          <p:attrName>style.visibility</p:attrName>
+                                        </p:attrNameLst>
+                                      </p:cBhvr>
+                                      <p:to>
+                                        <p:strVal val="visible"/>
+                                      </p:to>
+                                    </p:set>
+                                  </p:childTnLst>
+                                </p:cTn>
+                              </p:par>
+                              <p:par>
+                                <p:cTn id="7" presetID="1" presetClass="entr" presetSubtype="0" fill="hold" grpId="0" nodeType="withEffect">
+                                  <p:stCondLst>
+                                    <p:cond delay="0"/>
+                                  </p:stCondLst>
+                                  <p:childTnLst>
+                                    <p:set>
+                                      <p:cBhvr>
+                                        <p:cTn id="8" dur="1" fill="hold">
+                                          <p:stCondLst>
+                                            <p:cond delay="0"/>
+                                          </p:stCondLst>
+                                        </p:cTn>
+                                        <p:tgtEl>
+                                          <p:spTgt spid="6"/>
+                                        </p:tgtEl>
+                                        <p:attrNameLst>
+                                          <p:attrName>style.visibility</p:attrName>
+                                        </p:attrNameLst>
+                                      </p:cBhvr>
+                                      <p:to>
+                                        <p:strVal val="visible"/>
+                                      </p:to>
+                                    </p:set>
+                                  </p:childTnLst>
+                                </p:cTn>
+                              </p:par>
+                              <p:par>
+                                <p:cTn id="9" presetID="1" presetClass="entr" presetSubtype="0" fill="hold" grpId="0" nodeType="withEffect">
+                                  <p:stCondLst>
+                                    <p:cond delay="0"/>
+                                  </p:stCondLst>
+                                  <p:childTnLst>
+                                    <p:set>
+                                      <p:cBhvr>
+                                        <p:cTn id="10" dur="1" fill="hold">
+                                          <p:stCondLst>
+                                            <p:cond delay="0"/>
+                                          </p:stCondLst>
+                                        </p:cTn>
+                                        <p:tgtEl>
+                                          <p:spTgt spid="4"/>
+                                        </p:tgtEl>
+                                        <p:attrNameLst>
+                                          <p:attrName>style.visibility</p:attrName>
+                                        </p:attrNameLst>
+                                      </p:cBhvr>
+                                      <p:to>
+                                        <p:strVal val="visible"/>
+                                      </p:to>
+                                    </p:set>
+                                  </p:childTnLst>
+                                </p:cTn>
+                              </p:par>
+                            </p:childTnLst>
+                          </p:cTn>
+                        </p:par>
+                      </p:childTnLst>
+                    </p:cTn>
+                  </p:par>
+                  <p:par>
+                    <p:cTn id="11" fill="hold">
+                      <p:stCondLst>
+                        <p:cond delay="indefinite"/>
+                      </p:stCondLst>
+                      <p:childTnLst>
+                        <p:par>
+                          <p:cTn id="12" fill="hold">
+                            <p:stCondLst>
+                              <p:cond delay="0"/>
+                            </p:stCondLst>
+                            <p:childTnLst>
+                              <p:par>
+                                <p:cTn id="13" presetID="1" presetClass="entr" presetSubtype="0" fill="hold" grpId="0" nodeType="clickEffect">
+                                  <p:stCondLst>
+                                    <p:cond delay="0"/>
+                                  </p:stCondLst>
+                                  <p:childTnLst>
+                                    <p:set>
+                                      <p:cBhvr>
+                                        <p:cTn id="14" dur="1" fill="hold">
+                                          <p:stCondLst>
+                                            <p:cond delay="0"/>
+                                          </p:stCondLst>
+                                        </p:cTn>
+                                        <p:tgtEl>
+                                          <p:spTgt spid="9"/>
+                                        </p:tgtEl>
+                                        <p:attrNameLst>
+                                          <p:attrName>style.visibility</p:attrName>
+                                        </p:attrNameLst>
+                                      </p:cBhvr>
+                                      <p:to>
+                                        <p:strVal val="visible"/>
+                                      </p:to>
+                                    </p:set>
+                                  </p:childTnLst>
+                                </p:cTn>
+                              </p:par>
+                              <p:par>
+                                <p:cTn id="15" presetID="1" presetClass="entr" presetSubtype="0" fill="hold" grpId="0" nodeType="withEffect">
+                                  <p:stCondLst>
+                                    <p:cond delay="0"/>
+                                  </p:stCondLst>
+                                  <p:childTnLst>
+                                    <p:set>
+                                      <p:cBhvr>
+                                        <p:cTn id="16" dur="1" fill="hold">
+                                          <p:stCondLst>
+                                            <p:cond delay="0"/>
+                                          </p:stCondLst>
+                                        </p:cTn>
+                                        <p:tgtEl>
+                                          <p:spTgt spid="8"/>
+                                        </p:tgtEl>
+                                        <p:attrNameLst>
+                                          <p:attrName>style.visibility</p:attrName>
+                                        </p:attrNameLst>
+                                      </p:cBhvr>
+                                      <p:to>
+                                        <p:strVal val="visible"/>
+                                      </p:to>
+                                    </p:set>
+                                  </p:childTnLst>
+                                </p:cTn>
+                              </p:par>
+                            </p:childTnLst>
+                          </p:cTn>
+                        </p:par>
+                      </p:childTnLst>
+                    </p:cTn>
+                  </p:par>
+                  <p:par>
+                    <p:cTn id="17" fill="hold">
+                      <p:stCondLst>
+                        <p:cond delay="indefinite"/>
+                      </p:stCondLst>
+                      <p:childTnLst>
+                        <p:par>
+                          <p:cTn id="18" fill="hold">
+                            <p:stCondLst>
+                              <p:cond delay="0"/>
+                            </p:stCondLst>
+                            <p:childTnLst>
+                              <p:par>
+                                <p:cTn id="19" presetID="1" presetClass="entr" presetSubtype="0" fill="hold" grpId="0" nodeType="clickEffect">
+                                  <p:stCondLst>
+                                    <p:cond delay="0"/>
+                                  </p:stCondLst>
+                                  <p:childTnLst>
+                                    <p:set>
+                                      <p:cBhvr>
+                                        <p:cTn id="20" dur="1" fill="hold">
+                                          <p:stCondLst>
+                                            <p:cond delay="0"/>
+                                          </p:stCondLst>
+                                        </p:cTn>
+                                        <p:tgtEl>
+                                          <p:spTgt spid="10"/>
+                                        </p:tgtEl>
+                                        <p:attrNameLst>
+                                          <p:attrName>style.visibility</p:attrName>
+                                        </p:attrNameLst>
+                                      </p:cBhvr>
+                                      <p:to>
+                                        <p:strVal val="visible"/>
+                                      </p:to>
+                                    </p:set>
+                                  </p:childTnLst>
+                                </p:cTn>
+                              </p:par>
+                            </p:childTnLst>
+                          </p:cTn>
+                        </p:par>
+                      </p:childTnLst>
+                    </p:cTn>
+                  </p:par>
+                </p:childTnLst>
+              </p:cTn>
+              <p:prevCondLst>
+                <p:cond evt="onPrev" delay="0">
+                  <p:tgtEl>
+                    <p:sldTgt/>
+                  </p:tgtEl>
+                </p:cond>
+              </p:prevCondLst>
+              <p:nextCondLst>
+                <p:cond evt="onNext" delay="0">
+                  <p:tgtEl>
+                    <p:sldTgt/>
+                  </p:tgtEl>
+                </p:cond>
+              </p:nextCondLst>
+            </p:seq>
+          </p:childTnLst>
+        </p:cTn>
+      </p:par>
+    </p:tnLst>
+    <p:bldLst>
+      <p:bldP spid="4" grpId="0"/>
+      <p:bldP spid="5" grpId="0" animBg="1"/>
+      <p:bldP spid="6" grpId="0"/>
+      <p:bldP spid="8" grpId="0"/>
+      <p:bldP spid="9" grpId="0"/>
+      <p:bldP spid="10" grpId="0"/>
+    </p:bldLst>
+  </p:timing>
+</p:sld>
+</file>
+
+<file path=ppt/slides/slide9.xml><?xml version="1.0" encoding="utf-8"?>
+<p:sld xmlns:a="http://schemas.openxmlformats.org/drawingml/2006/main" xmlns:r="http://schemas.openxmlformats.org/officeDocument/2006/relationships" xmlns:p="http://schemas.openxmlformats.org/presentationml/2006/main">
+  <p:cSld>
+    <p:spTree>
+      <p:nvGrpSpPr>
+        <p:cNvPr id="1" name=""/>
+        <p:cNvGrpSpPr/>
+        <p:nvPr/>
+      </p:nvGrpSpPr>
+      <p:grpSpPr>
+        <a:xfrm>
+          <a:off x="0" y="0"/>
+          <a:ext cx="0" cy="0"/>
+          <a:chOff x="0" y="0"/>
+          <a:chExt cx="0" cy="0"/>
+        </a:xfrm>
+      </p:grpSpPr>
+      <p:sp>
+        <p:nvSpPr>
+          <p:cNvPr id="2" name="TextBox 1">
+            <a:extLst>
+              <a:ext uri="{FF2B5EF4-FFF2-40B4-BE49-F238E27FC236}">
+                <a16:creationId xmlns:a16="http://schemas.microsoft.com/office/drawing/2014/main" id="{AD4ED965-6F72-4E6F-9AFC-812CD9ED1CA8}"/>
+              </a:ext>
+            </a:extLst>
+          </p:cNvPr>
+          <p:cNvSpPr txBox="1"/>
+          <p:nvPr/>
+        </p:nvSpPr>
+        <p:spPr>
+          <a:xfrm>
+            <a:off x="886120" y="622169"/>
+            <a:ext cx="10576874" cy="369332"/>
+          </a:xfrm>
+          <a:prstGeom prst="rect">
+            <a:avLst/>
+          </a:prstGeom>
+          <a:noFill/>
+        </p:spPr>
+        <p:txBody>
+          <a:bodyPr wrap="square" rtlCol="0">
+            <a:spAutoFit/>
+          </a:bodyPr>
+          <a:lstStyle/>
+          <a:p>
+            <a:r>
+              <a:rPr lang="en-US" dirty="0"/>
+              <a:t>You can use the following piece of code to plot the loss when your network is evolving and watch it dynamically</a:t>
+            </a:r>
+            <a:endParaRPr lang="LID4096" dirty="0"/>
+          </a:p>
+        </p:txBody>
+      </p:sp>
+      <p:sp>
+        <p:nvSpPr>
+          <p:cNvPr id="4" name="TextBox 3">
+            <a:extLst>
+              <a:ext uri="{FF2B5EF4-FFF2-40B4-BE49-F238E27FC236}">
+                <a16:creationId xmlns:a16="http://schemas.microsoft.com/office/drawing/2014/main" id="{4DE3559C-8DD8-4F7A-93CC-7CEE030034A8}"/>
+              </a:ext>
+            </a:extLst>
+          </p:cNvPr>
+          <p:cNvSpPr txBox="1"/>
+          <p:nvPr/>
+        </p:nvSpPr>
+        <p:spPr>
+          <a:xfrm>
+            <a:off x="886120" y="991501"/>
+            <a:ext cx="6094428" cy="2246769"/>
+          </a:xfrm>
+          <a:prstGeom prst="rect">
+            <a:avLst/>
+          </a:prstGeom>
+          <a:noFill/>
+        </p:spPr>
+        <p:txBody>
+          <a:bodyPr wrap="square">
+            <a:spAutoFit/>
+          </a:bodyPr>
+          <a:lstStyle/>
+          <a:p>
+            <a:r>
+              <a:rPr lang="LID4096" sz="1400" dirty="0">
+                <a:latin typeface="Arial" panose="020B0604020202020204" pitchFamily="34" charset="0"/>
+                <a:cs typeface="Arial" panose="020B0604020202020204" pitchFamily="34" charset="0"/>
+              </a:rPr>
+              <a:t>def plot_loss(history):</a:t>
+            </a:r>
+          </a:p>
+          <a:p>
+            <a:r>
+              <a:rPr lang="LID4096" sz="1400" dirty="0">
+                <a:latin typeface="Arial" panose="020B0604020202020204" pitchFamily="34" charset="0"/>
+                <a:cs typeface="Arial" panose="020B0604020202020204" pitchFamily="34" charset="0"/>
+              </a:rPr>
+              <a:t>     plt.plot(history.history['loss'], label='loss')</a:t>
+            </a:r>
+          </a:p>
+          <a:p>
+            <a:r>
+              <a:rPr lang="LID4096" sz="1400" dirty="0">
+                <a:latin typeface="Arial" panose="020B0604020202020204" pitchFamily="34" charset="0"/>
+                <a:cs typeface="Arial" panose="020B0604020202020204" pitchFamily="34" charset="0"/>
+              </a:rPr>
+              <a:t>     plt.plot(history.history['val_loss'], label='val_loss')</a:t>
+            </a:r>
+          </a:p>
+          <a:p>
+            <a:r>
+              <a:rPr lang="LID4096" sz="1400" dirty="0">
+                <a:latin typeface="Arial" panose="020B0604020202020204" pitchFamily="34" charset="0"/>
+                <a:cs typeface="Arial" panose="020B0604020202020204" pitchFamily="34" charset="0"/>
+              </a:rPr>
+              <a:t>     plt.xlabel('Epoch')</a:t>
+            </a:r>
+          </a:p>
+          <a:p>
+            <a:r>
+              <a:rPr lang="LID4096" sz="1400" dirty="0">
+                <a:latin typeface="Arial" panose="020B0604020202020204" pitchFamily="34" charset="0"/>
+                <a:cs typeface="Arial" panose="020B0604020202020204" pitchFamily="34" charset="0"/>
+              </a:rPr>
+              <a:t>     plt.ylabel('Binary crossentropy')</a:t>
+            </a:r>
+          </a:p>
+          <a:p>
+            <a:r>
+              <a:rPr lang="LID4096" sz="1400" dirty="0">
+                <a:latin typeface="Arial" panose="020B0604020202020204" pitchFamily="34" charset="0"/>
+                <a:cs typeface="Arial" panose="020B0604020202020204" pitchFamily="34" charset="0"/>
+              </a:rPr>
+              <a:t>     plt.legend()</a:t>
+            </a:r>
+          </a:p>
+          <a:p>
+            <a:r>
+              <a:rPr lang="LID4096" sz="1400" dirty="0">
+                <a:latin typeface="Arial" panose="020B0604020202020204" pitchFamily="34" charset="0"/>
+                <a:cs typeface="Arial" panose="020B0604020202020204" pitchFamily="34" charset="0"/>
+              </a:rPr>
+              <a:t>     plt.grid(True)</a:t>
+            </a:r>
+          </a:p>
+          <a:p>
+            <a:r>
+              <a:rPr lang="LID4096" sz="1400" dirty="0">
+                <a:latin typeface="Arial" panose="020B0604020202020204" pitchFamily="34" charset="0"/>
+                <a:cs typeface="Arial" panose="020B0604020202020204" pitchFamily="34" charset="0"/>
+              </a:rPr>
+              <a:t>     plt.show()</a:t>
+            </a:r>
+          </a:p>
+          <a:p>
+            <a:r>
+              <a:rPr lang="LID4096" sz="1400" dirty="0">
+                <a:latin typeface="Arial" panose="020B0604020202020204" pitchFamily="34" charset="0"/>
+                <a:cs typeface="Arial" panose="020B0604020202020204" pitchFamily="34" charset="0"/>
+              </a:rPr>
+              <a:t>    </a:t>
+            </a:r>
+          </a:p>
+          <a:p>
+            <a:r>
+              <a:rPr lang="LID4096" sz="1400" dirty="0">
+                <a:latin typeface="Arial" panose="020B0604020202020204" pitchFamily="34" charset="0"/>
+                <a:cs typeface="Arial" panose="020B0604020202020204" pitchFamily="34" charset="0"/>
+              </a:rPr>
+              <a:t>    </a:t>
+            </a:r>
+          </a:p>
+        </p:txBody>
+      </p:sp>
+      <p:sp>
+        <p:nvSpPr>
+          <p:cNvPr id="5" name="TextBox 4">
+            <a:extLst>
+              <a:ext uri="{FF2B5EF4-FFF2-40B4-BE49-F238E27FC236}">
+                <a16:creationId xmlns:a16="http://schemas.microsoft.com/office/drawing/2014/main" id="{77E4643E-49B7-4C7E-B72C-ABA72B8C46EA}"/>
+              </a:ext>
+            </a:extLst>
+          </p:cNvPr>
+          <p:cNvSpPr txBox="1"/>
+          <p:nvPr/>
+        </p:nvSpPr>
+        <p:spPr>
+          <a:xfrm>
+            <a:off x="886120" y="2791994"/>
+            <a:ext cx="10576874" cy="369332"/>
+          </a:xfrm>
+          <a:prstGeom prst="rect">
+            <a:avLst/>
+          </a:prstGeom>
+          <a:noFill/>
+        </p:spPr>
+        <p:txBody>
+          <a:bodyPr wrap="square" rtlCol="0">
+            <a:spAutoFit/>
+          </a:bodyPr>
+          <a:lstStyle/>
+          <a:p>
+            <a:r>
+              <a:rPr lang="en-US" dirty="0"/>
+              <a:t>The same goes for accuracy</a:t>
+            </a:r>
+            <a:endParaRPr lang="LID4096" dirty="0"/>
+          </a:p>
+        </p:txBody>
+      </p:sp>
+      <p:sp>
+        <p:nvSpPr>
+          <p:cNvPr id="7" name="TextBox 6">
+            <a:extLst>
+              <a:ext uri="{FF2B5EF4-FFF2-40B4-BE49-F238E27FC236}">
+                <a16:creationId xmlns:a16="http://schemas.microsoft.com/office/drawing/2014/main" id="{499B952A-C888-46FA-ACEB-BEDF0F46A6D7}"/>
+              </a:ext>
+            </a:extLst>
+          </p:cNvPr>
+          <p:cNvSpPr txBox="1"/>
+          <p:nvPr/>
+        </p:nvSpPr>
+        <p:spPr>
+          <a:xfrm>
+            <a:off x="886120" y="3161326"/>
+            <a:ext cx="6094428" cy="1815882"/>
+          </a:xfrm>
+          <a:prstGeom prst="rect">
+            <a:avLst/>
+          </a:prstGeom>
+          <a:noFill/>
+        </p:spPr>
+        <p:txBody>
+          <a:bodyPr wrap="square">
+            <a:spAutoFit/>
+          </a:bodyPr>
+          <a:lstStyle/>
+          <a:p>
+            <a:r>
+              <a:rPr lang="LID4096" sz="1400" dirty="0">
+                <a:latin typeface="Arial" panose="020B0604020202020204" pitchFamily="34" charset="0"/>
+                <a:cs typeface="Arial" panose="020B0604020202020204" pitchFamily="34" charset="0"/>
+              </a:rPr>
+              <a:t> def plot_accuracy(history):</a:t>
+            </a:r>
+          </a:p>
+          <a:p>
+            <a:r>
+              <a:rPr lang="LID4096" sz="1400" dirty="0">
+                <a:latin typeface="Arial" panose="020B0604020202020204" pitchFamily="34" charset="0"/>
+                <a:cs typeface="Arial" panose="020B0604020202020204" pitchFamily="34" charset="0"/>
+              </a:rPr>
+              <a:t>     plt.plot(history.history['accuracy'], label='accuracy')</a:t>
+            </a:r>
+          </a:p>
+          <a:p>
+            <a:r>
+              <a:rPr lang="LID4096" sz="1400" dirty="0">
+                <a:latin typeface="Arial" panose="020B0604020202020204" pitchFamily="34" charset="0"/>
+                <a:cs typeface="Arial" panose="020B0604020202020204" pitchFamily="34" charset="0"/>
+              </a:rPr>
+              <a:t>     plt.plot(history.history['val_accuracy'], label='val_accuracy')</a:t>
+            </a:r>
+          </a:p>
+          <a:p>
+            <a:r>
+              <a:rPr lang="LID4096" sz="1400" dirty="0">
+                <a:latin typeface="Arial" panose="020B0604020202020204" pitchFamily="34" charset="0"/>
+                <a:cs typeface="Arial" panose="020B0604020202020204" pitchFamily="34" charset="0"/>
+              </a:rPr>
+              <a:t>     plt.xlabel('Epoch')</a:t>
+            </a:r>
+          </a:p>
+          <a:p>
+            <a:r>
+              <a:rPr lang="LID4096" sz="1400" dirty="0">
+                <a:latin typeface="Arial" panose="020B0604020202020204" pitchFamily="34" charset="0"/>
+                <a:cs typeface="Arial" panose="020B0604020202020204" pitchFamily="34" charset="0"/>
+              </a:rPr>
+              <a:t>     plt.ylabel('Accuracy')</a:t>
+            </a:r>
+          </a:p>
+          <a:p>
+            <a:r>
+              <a:rPr lang="LID4096" sz="1400" dirty="0">
+                <a:latin typeface="Arial" panose="020B0604020202020204" pitchFamily="34" charset="0"/>
+                <a:cs typeface="Arial" panose="020B0604020202020204" pitchFamily="34" charset="0"/>
+              </a:rPr>
+              <a:t>     plt.legend()</a:t>
+            </a:r>
+          </a:p>
+          <a:p>
+            <a:r>
+              <a:rPr lang="LID4096" sz="1400" dirty="0">
+                <a:latin typeface="Arial" panose="020B0604020202020204" pitchFamily="34" charset="0"/>
+                <a:cs typeface="Arial" panose="020B0604020202020204" pitchFamily="34" charset="0"/>
+              </a:rPr>
+              <a:t>     plt.grid(True)</a:t>
+            </a:r>
+          </a:p>
+          <a:p>
+            <a:r>
+              <a:rPr lang="LID4096" sz="1400" dirty="0">
+                <a:latin typeface="Arial" panose="020B0604020202020204" pitchFamily="34" charset="0"/>
+                <a:cs typeface="Arial" panose="020B0604020202020204" pitchFamily="34" charset="0"/>
+              </a:rPr>
+              <a:t>     plt.show()</a:t>
+            </a:r>
+          </a:p>
+        </p:txBody>
+      </p:sp>
+    </p:spTree>
+    <p:extLst>
+      <p:ext uri="{BB962C8B-B14F-4D97-AF65-F5344CB8AC3E}">
+        <p14:creationId xmlns:p14="http://schemas.microsoft.com/office/powerpoint/2010/main" val="1412019052"/>
+      </p:ext>
+    </p:extLst>
+  </p:cSld>
+  <p:clrMapOvr>
+    <a:masterClrMapping/>
+  </p:clrMapOvr>
+  <p:timing>
+    <p:tnLst>
+      <p:par>
+        <p:cTn id="1" dur="indefinite" restart="never" nodeType="tmRoot">
+          <p:childTnLst>
+            <p:seq concurrent="1" nextAc="seek">
+              <p:cTn id="2" dur="indefinite" nodeType="mainSeq">
+                <p:childTnLst>
+                  <p:par>
+                    <p:cTn id="3" fill="hold">
+                      <p:stCondLst>
+                        <p:cond delay="indefinite"/>
+                      </p:stCondLst>
+                      <p:childTnLst>
+                        <p:par>
+                          <p:cTn id="4" fill="hold">
+                            <p:stCondLst>
+                              <p:cond delay="0"/>
+                            </p:stCondLst>
+                            <p:childTnLst>
+                              <p:par>
+                                <p:cTn id="5" presetID="1" presetClass="entr" presetSubtype="0" fill="hold" grpId="0" nodeType="clickEffect">
+                                  <p:stCondLst>
+                                    <p:cond delay="0"/>
+                                  </p:stCondLst>
+                                  <p:childTnLst>
+                                    <p:set>
+                                      <p:cBhvr>
+                                        <p:cTn id="6" dur="1" fill="hold">
+                                          <p:stCondLst>
+                                            <p:cond delay="0"/>
+                                          </p:stCondLst>
+                                        </p:cTn>
+                                        <p:tgtEl>
+                                          <p:spTgt spid="5"/>
+                                        </p:tgtEl>
+                                        <p:attrNameLst>
+                                          <p:attrName>style.visibility</p:attrName>
+                                        </p:attrNameLst>
+                                      </p:cBhvr>
+                                      <p:to>
+                                        <p:strVal val="visible"/>
+                                      </p:to>
+                                    </p:set>
+                                  </p:childTnLst>
+                                </p:cTn>
+                              </p:par>
+                              <p:par>
+                                <p:cTn id="7" presetID="1" presetClass="entr" presetSubtype="0" fill="hold" grpId="0" nodeType="withEffect">
+                                  <p:stCondLst>
+                                    <p:cond delay="0"/>
+                                  </p:stCondLst>
+                                  <p:childTnLst>
+                                    <p:set>
+                                      <p:cBhvr>
+                                        <p:cTn id="8" dur="1" fill="hold">
+                                          <p:stCondLst>
+                                            <p:cond delay="0"/>
+                                          </p:stCondLst>
+                                        </p:cTn>
+                                        <p:tgtEl>
+                                          <p:spTgt spid="7"/>
+                                        </p:tgtEl>
+                                        <p:attrNameLst>
+                                          <p:attrName>style.visibility</p:attrName>
+                                        </p:attrNameLst>
+                                      </p:cBhvr>
+                                      <p:to>
+                                        <p:strVal val="visible"/>
+                                      </p:to>
+                                    </p:set>
+                                  </p:childTnLst>
+                                </p:cTn>
+                              </p:par>
+                            </p:childTnLst>
+                          </p:cTn>
+                        </p:par>
+                      </p:childTnLst>
+                    </p:cTn>
+                  </p:par>
+                </p:childTnLst>
+              </p:cTn>
+              <p:prevCondLst>
+                <p:cond evt="onPrev" delay="0">
+                  <p:tgtEl>
+                    <p:sldTgt/>
+                  </p:tgtEl>
+                </p:cond>
+              </p:prevCondLst>
+              <p:nextCondLst>
+                <p:cond evt="onNext" delay="0">
+                  <p:tgtEl>
+                    <p:sldTgt/>
+                  </p:tgtEl>
+                </p:cond>
+              </p:nextCondLst>
+            </p:seq>
+          </p:childTnLst>
+        </p:cTn>
+      </p:par>
+    </p:tnLst>
+    <p:bldLst>
+      <p:bldP spid="5" grpId="0"/>
+      <p:bldP spid="7" grpId="0"/>
+    </p:bldLst>
+  </p:timing>
 </p:sld>
 </file>
 
